--- a/tex/final poster/Moss Clement McGee Miller Project Poster.pptx
+++ b/tex/final poster/Moss Clement McGee Miller Project Poster.pptx
@@ -1445,8 +1445,8 @@
         </p:nvSpPr>
         <p:spPr bwMode="auto">
           <a:xfrm>
-            <a:off x="704583" y="5480053"/>
-            <a:ext cx="7334250" cy="8683688"/>
+            <a:off x="704582" y="5375784"/>
+            <a:ext cx="7334250" cy="8991464"/>
           </a:xfrm>
           <a:prstGeom prst="rect">
             <a:avLst/>
@@ -1570,7 +1570,14 @@
                 <a:latin typeface="Times New Roman" panose="02020603050405020304" pitchFamily="18" charset="0"/>
                 <a:cs typeface="Times New Roman" panose="02020603050405020304" pitchFamily="18" charset="0"/>
               </a:rPr>
-              <a:t>RotationCurve.org intends to solve both of these problems by providing a space to generalize </a:t>
+              <a:t>This astronomical project intends </a:t>
+            </a:r>
+            <a:r>
+              <a:rPr lang="en-US" sz="2000" dirty="0" smtClean="0">
+                <a:latin typeface="Times New Roman" panose="02020603050405020304" pitchFamily="18" charset="0"/>
+                <a:cs typeface="Times New Roman" panose="02020603050405020304" pitchFamily="18" charset="0"/>
+              </a:rPr>
+              <a:t>to solve both of these problems by providing a space to generalize </a:t>
             </a:r>
             <a:r>
               <a:rPr lang="en-US" sz="2000" dirty="0">
@@ -1647,7 +1654,21 @@
                 <a:latin typeface="Times New Roman" panose="02020603050405020304" pitchFamily="18" charset="0"/>
                 <a:cs typeface="Times New Roman" panose="02020603050405020304" pitchFamily="18" charset="0"/>
               </a:rPr>
-              <a:t>      Scholarly Observed Celestial Measurements (SOCM) will serve as both a central database and API (Application Programming Interface) for researchers and programmers alike. SOCM includes galactic data collected on </a:t>
+              <a:t>      Scholarly Observed Celestial Measurements (SOCM) </a:t>
+            </a:r>
+            <a:r>
+              <a:rPr lang="en-US" sz="2000" dirty="0" smtClean="0">
+                <a:latin typeface="Times New Roman" panose="02020603050405020304" pitchFamily="18" charset="0"/>
+                <a:cs typeface="Times New Roman" panose="02020603050405020304" pitchFamily="18" charset="0"/>
+              </a:rPr>
+              <a:t>serves </a:t>
+            </a:r>
+            <a:r>
+              <a:rPr lang="en-US" sz="2000" dirty="0" smtClean="0">
+                <a:latin typeface="Times New Roman" panose="02020603050405020304" pitchFamily="18" charset="0"/>
+                <a:cs typeface="Times New Roman" panose="02020603050405020304" pitchFamily="18" charset="0"/>
+              </a:rPr>
+              <a:t>as both a central database and API (Application Programming Interface) for researchers and programmers alike. SOCM includes galactic data collected on </a:t>
             </a:r>
             <a:r>
               <a:rPr lang="en-US" sz="2000" dirty="0" smtClean="0">
@@ -1671,21 +1692,77 @@
                 <a:latin typeface="Times New Roman" panose="02020603050405020304" pitchFamily="18" charset="0"/>
                 <a:cs typeface="Times New Roman" panose="02020603050405020304" pitchFamily="18" charset="0"/>
               </a:rPr>
-              <a:t>      The Rotation Curve Modeler (RoCM) will serve as a visual modeler for our collections of data and contemporary theories within </a:t>
-            </a:r>
-            <a:r>
-              <a:rPr lang="en-US" sz="2000" dirty="0" smtClean="0">
-                <a:latin typeface="Times New Roman" panose="02020603050405020304" pitchFamily="18" charset="0"/>
-                <a:cs typeface="Times New Roman" panose="02020603050405020304" pitchFamily="18" charset="0"/>
-              </a:rPr>
-              <a:t>astrophysics that solve the rotation curve problem. </a:t>
-            </a:r>
-            <a:r>
-              <a:rPr lang="en-US" sz="2000" dirty="0" smtClean="0">
-                <a:latin typeface="Times New Roman" panose="02020603050405020304" pitchFamily="18" charset="0"/>
-                <a:cs typeface="Times New Roman" panose="02020603050405020304" pitchFamily="18" charset="0"/>
-              </a:rPr>
-              <a:t>With observable data as the input (via SOCM), any galaxy can be imported into the tool. The tool will plot observational data and multiple galactic models together as a graph, as well as enable users to import their own galactic models to test against existing theories. Sliders will allow users to control </a:t>
+              <a:t>      The Rotation Curve Modeler (RoCM) </a:t>
+            </a:r>
+            <a:r>
+              <a:rPr lang="en-US" sz="2000" dirty="0" smtClean="0">
+                <a:latin typeface="Times New Roman" panose="02020603050405020304" pitchFamily="18" charset="0"/>
+                <a:cs typeface="Times New Roman" panose="02020603050405020304" pitchFamily="18" charset="0"/>
+              </a:rPr>
+              <a:t>serves </a:t>
+            </a:r>
+            <a:r>
+              <a:rPr lang="en-US" sz="2000" dirty="0" smtClean="0">
+                <a:latin typeface="Times New Roman" panose="02020603050405020304" pitchFamily="18" charset="0"/>
+                <a:cs typeface="Times New Roman" panose="02020603050405020304" pitchFamily="18" charset="0"/>
+              </a:rPr>
+              <a:t>as a </a:t>
+            </a:r>
+            <a:r>
+              <a:rPr lang="en-US" sz="2000" dirty="0" smtClean="0">
+                <a:latin typeface="Times New Roman" panose="02020603050405020304" pitchFamily="18" charset="0"/>
+                <a:cs typeface="Times New Roman" panose="02020603050405020304" pitchFamily="18" charset="0"/>
+              </a:rPr>
+              <a:t>tool to model the rotation of star clusters around the center of a galaxy. It’s purpose is to test all existing galactic models against the observational data for that specified galaxy. </a:t>
+            </a:r>
+            <a:r>
+              <a:rPr lang="en-US" sz="2000" dirty="0" smtClean="0">
+                <a:latin typeface="Times New Roman" panose="02020603050405020304" pitchFamily="18" charset="0"/>
+                <a:cs typeface="Times New Roman" panose="02020603050405020304" pitchFamily="18" charset="0"/>
+              </a:rPr>
+              <a:t>With observable data as the input (via SOCM), </a:t>
+            </a:r>
+            <a:r>
+              <a:rPr lang="en-US" sz="2000" dirty="0" smtClean="0">
+                <a:latin typeface="Times New Roman" panose="02020603050405020304" pitchFamily="18" charset="0"/>
+                <a:cs typeface="Times New Roman" panose="02020603050405020304" pitchFamily="18" charset="0"/>
+              </a:rPr>
+              <a:t>any arbitrary </a:t>
+            </a:r>
+            <a:r>
+              <a:rPr lang="en-US" sz="2000" dirty="0" smtClean="0">
+                <a:latin typeface="Times New Roman" panose="02020603050405020304" pitchFamily="18" charset="0"/>
+                <a:cs typeface="Times New Roman" panose="02020603050405020304" pitchFamily="18" charset="0"/>
+              </a:rPr>
+              <a:t>galaxy can be imported into the tool. The tool will plot observational data and multiple galactic models together as a graph, </a:t>
+            </a:r>
+            <a:r>
+              <a:rPr lang="en-US" sz="2000" dirty="0" smtClean="0">
+                <a:latin typeface="Times New Roman" panose="02020603050405020304" pitchFamily="18" charset="0"/>
+                <a:cs typeface="Times New Roman" panose="02020603050405020304" pitchFamily="18" charset="0"/>
+              </a:rPr>
+              <a:t>and enables </a:t>
+            </a:r>
+            <a:r>
+              <a:rPr lang="en-US" sz="2000" dirty="0" smtClean="0">
+                <a:latin typeface="Times New Roman" panose="02020603050405020304" pitchFamily="18" charset="0"/>
+                <a:cs typeface="Times New Roman" panose="02020603050405020304" pitchFamily="18" charset="0"/>
+              </a:rPr>
+              <a:t>users to import their own galactic models to test against existing theories. </a:t>
+            </a:r>
+            <a:r>
+              <a:rPr lang="en-US" sz="2000" dirty="0" smtClean="0">
+                <a:latin typeface="Times New Roman" panose="02020603050405020304" pitchFamily="18" charset="0"/>
+                <a:cs typeface="Times New Roman" panose="02020603050405020304" pitchFamily="18" charset="0"/>
+              </a:rPr>
+              <a:t>Parameter value sliders allow </a:t>
+            </a:r>
+            <a:r>
+              <a:rPr lang="en-US" sz="2000" dirty="0" smtClean="0">
+                <a:latin typeface="Times New Roman" panose="02020603050405020304" pitchFamily="18" charset="0"/>
+                <a:cs typeface="Times New Roman" panose="02020603050405020304" pitchFamily="18" charset="0"/>
+              </a:rPr>
+              <a:t>users to control </a:t>
             </a:r>
             <a:r>
               <a:rPr lang="en-US" sz="2000" dirty="0" smtClean="0">
@@ -1716,25 +1793,32 @@
               <a:t>(</a:t>
             </a:r>
             <a:r>
-              <a:rPr lang="en-US" sz="2000" dirty="0" err="1" smtClean="0">
-                <a:latin typeface="Times New Roman" panose="02020603050405020304" pitchFamily="18" charset="0"/>
-                <a:cs typeface="Times New Roman" panose="02020603050405020304" pitchFamily="18" charset="0"/>
-              </a:rPr>
-              <a:t>RoCS</a:t>
-            </a:r>
-            <a:r>
-              <a:rPr lang="en-US" sz="2000" dirty="0" smtClean="0">
-                <a:latin typeface="Times New Roman" panose="02020603050405020304" pitchFamily="18" charset="0"/>
-                <a:cs typeface="Times New Roman" panose="02020603050405020304" pitchFamily="18" charset="0"/>
-              </a:rPr>
-              <a:t>) </a:t>
-            </a:r>
-            <a:r>
-              <a:rPr lang="en-US" sz="2000" dirty="0" smtClean="0">
-                <a:latin typeface="Times New Roman" panose="02020603050405020304" pitchFamily="18" charset="0"/>
-                <a:cs typeface="Times New Roman" panose="02020603050405020304" pitchFamily="18" charset="0"/>
-              </a:rPr>
-              <a:t>to view their models against the data in three-dimensional rendering.</a:t>
+              <a:rPr lang="en-US" sz="2000" dirty="0" smtClean="0">
+                <a:latin typeface="Times New Roman" panose="02020603050405020304" pitchFamily="18" charset="0"/>
+                <a:cs typeface="Times New Roman" panose="02020603050405020304" pitchFamily="18" charset="0"/>
+              </a:rPr>
+              <a:t>RoCS) </a:t>
+            </a:r>
+            <a:r>
+              <a:rPr lang="en-US" sz="2000" dirty="0" smtClean="0">
+                <a:latin typeface="Times New Roman" panose="02020603050405020304" pitchFamily="18" charset="0"/>
+                <a:cs typeface="Times New Roman" panose="02020603050405020304" pitchFamily="18" charset="0"/>
+              </a:rPr>
+              <a:t>to view their models against the data in </a:t>
+            </a:r>
+            <a:r>
+              <a:rPr lang="en-US" sz="2000" dirty="0" smtClean="0">
+                <a:latin typeface="Times New Roman" panose="02020603050405020304" pitchFamily="18" charset="0"/>
+                <a:cs typeface="Times New Roman" panose="02020603050405020304" pitchFamily="18" charset="0"/>
+              </a:rPr>
+              <a:t>two-dimensional </a:t>
+            </a:r>
+            <a:r>
+              <a:rPr lang="en-US" sz="2000" dirty="0" smtClean="0">
+                <a:latin typeface="Times New Roman" panose="02020603050405020304" pitchFamily="18" charset="0"/>
+                <a:cs typeface="Times New Roman" panose="02020603050405020304" pitchFamily="18" charset="0"/>
+              </a:rPr>
+              <a:t>rendering.</a:t>
             </a:r>
             <a:endParaRPr lang="en-US" sz="2000" dirty="0">
               <a:latin typeface="Times New Roman" panose="02020603050405020304" pitchFamily="18" charset="0"/>
@@ -1753,8 +1837,8 @@
         </p:nvSpPr>
         <p:spPr bwMode="auto">
           <a:xfrm>
-            <a:off x="8686800" y="4221130"/>
-            <a:ext cx="7372350" cy="1004662"/>
+            <a:off x="8686799" y="4272235"/>
+            <a:ext cx="7372350" cy="896940"/>
           </a:xfrm>
           <a:prstGeom prst="rect">
             <a:avLst/>
@@ -1780,10 +1864,10 @@
               </a:spcBef>
             </a:pPr>
             <a:r>
-              <a:rPr lang="en-US" b="1" dirty="0" smtClean="0"/>
+              <a:rPr lang="en-US" sz="5400" b="1" dirty="0" smtClean="0"/>
               <a:t>Design</a:t>
             </a:r>
-            <a:endParaRPr lang="en-US" b="1" dirty="0"/>
+            <a:endParaRPr lang="en-US" sz="5400" b="1" dirty="0"/>
           </a:p>
         </p:txBody>
       </p:sp>
@@ -1797,8 +1881,8 @@
         </p:nvSpPr>
         <p:spPr bwMode="auto">
           <a:xfrm>
-            <a:off x="24917400" y="15184529"/>
-            <a:ext cx="7372350" cy="1004662"/>
+            <a:off x="24872565" y="15156437"/>
+            <a:ext cx="7372350" cy="896940"/>
           </a:xfrm>
           <a:prstGeom prst="rect">
             <a:avLst/>
@@ -1824,7 +1908,7 @@
               </a:spcBef>
             </a:pPr>
             <a:r>
-              <a:rPr lang="en-US" b="1" dirty="0"/>
+              <a:rPr lang="en-US" sz="5400" b="1" dirty="0"/>
               <a:t>Conclusions</a:t>
             </a:r>
           </a:p>
@@ -1912,7 +1996,7 @@
         </p:nvSpPr>
         <p:spPr bwMode="auto">
           <a:xfrm>
-            <a:off x="5631875" y="601040"/>
+            <a:off x="5631875" y="498858"/>
             <a:ext cx="22283878" cy="4082428"/>
           </a:xfrm>
           <a:prstGeom prst="rect">
@@ -2027,17 +2111,8 @@
               <a:rPr lang="en-US" sz="3200" dirty="0" smtClean="0">
                 <a:latin typeface="Cambria" pitchFamily="18" charset="0"/>
               </a:rPr>
-              <a:t>Professor Lisa MacLean, and Professor Mohammed </a:t>
-            </a:r>
-            <a:r>
-              <a:rPr lang="en-US" sz="3200" dirty="0" err="1" smtClean="0">
-                <a:latin typeface="Cambria" pitchFamily="18" charset="0"/>
-              </a:rPr>
-              <a:t>Anwaruddin</a:t>
-            </a:r>
-            <a:endParaRPr lang="en-US" sz="3200" dirty="0" smtClean="0">
-              <a:latin typeface="Cambria" pitchFamily="18" charset="0"/>
-            </a:endParaRPr>
+              <a:t>Lisa MacLean, and Mohammed Anwaruddin</a:t>
+            </a:r>
           </a:p>
           <a:p>
             <a:pPr defTabSz="3134937"/>
@@ -2084,7 +2159,7 @@
         </p:nvSpPr>
         <p:spPr bwMode="auto">
           <a:xfrm>
-            <a:off x="8532884" y="11062804"/>
+            <a:off x="8532884" y="11092244"/>
             <a:ext cx="7866314" cy="804608"/>
           </a:xfrm>
           <a:prstGeom prst="rect">
@@ -2127,7 +2202,7 @@
         </p:nvSpPr>
         <p:spPr bwMode="auto">
           <a:xfrm>
-            <a:off x="16861644" y="4364567"/>
+            <a:off x="16847889" y="4364567"/>
             <a:ext cx="7137798" cy="804608"/>
           </a:xfrm>
           <a:prstGeom prst="rect">
@@ -2158,49 +2233,6 @@
               <a:t>Rotation Curve Modeler</a:t>
             </a:r>
             <a:endParaRPr lang="en-US" sz="4800" b="1" dirty="0"/>
-          </a:p>
-        </p:txBody>
-      </p:sp>
-      <p:sp>
-        <p:nvSpPr>
-          <p:cNvPr id="2075" name="Text Box 27"/>
-          <p:cNvSpPr txBox="1">
-            <a:spLocks noChangeArrowheads="1"/>
-          </p:cNvSpPr>
-          <p:nvPr/>
-        </p:nvSpPr>
-        <p:spPr bwMode="auto">
-          <a:xfrm>
-            <a:off x="25151746" y="20031162"/>
-            <a:ext cx="6229350" cy="435276"/>
-          </a:xfrm>
-          <a:prstGeom prst="rect">
-            <a:avLst/>
-          </a:prstGeom>
-          <a:noFill/>
-          <a:ln w="9525">
-            <a:noFill/>
-            <a:miter lim="800000"/>
-            <a:headEnd/>
-            <a:tailEnd/>
-          </a:ln>
-          <a:effectLst/>
-        </p:spPr>
-        <p:txBody>
-          <a:bodyPr lIns="65306" tIns="32653" rIns="65306" bIns="32653">
-            <a:spAutoFit/>
-          </a:bodyPr>
-          <a:lstStyle/>
-          <a:p>
-            <a:pPr defTabSz="3134937">
-              <a:spcBef>
-                <a:spcPct val="50000"/>
-              </a:spcBef>
-            </a:pPr>
-            <a:r>
-              <a:rPr lang="en-US" sz="2400" dirty="0"/>
-              <a:t>Bibliography</a:t>
-            </a:r>
           </a:p>
         </p:txBody>
       </p:sp>
@@ -2269,7 +2301,25 @@
               <a:rPr lang="en-US" sz="2000" dirty="0" smtClean="0">
                 <a:latin typeface="Times New Roman" pitchFamily="18" charset="0"/>
               </a:rPr>
-              <a:t>The galaxies page consists of a paginated table containing the relevant higher-level information of galaxies, including their relative distance from the sun, luminosity, </a:t>
+              <a:t>The galaxies page consists of a paginated table containing the relevant higher-level information of galaxies, including their relative distance from </a:t>
+            </a:r>
+            <a:r>
+              <a:rPr lang="en-US" sz="2000" dirty="0" smtClean="0">
+                <a:latin typeface="Times New Roman" pitchFamily="18" charset="0"/>
+              </a:rPr>
+              <a:t>our</a:t>
+            </a:r>
+            <a:r>
+              <a:rPr lang="en-US" sz="2000" dirty="0" smtClean="0">
+                <a:latin typeface="Times New Roman" pitchFamily="18" charset="0"/>
+              </a:rPr>
+              <a:t> </a:t>
+            </a:r>
+            <a:r>
+              <a:rPr lang="en-US" sz="2000" dirty="0" smtClean="0">
+                <a:latin typeface="Times New Roman" pitchFamily="18" charset="0"/>
+              </a:rPr>
+              <a:t>sun, luminosity, </a:t>
             </a:r>
             <a:r>
               <a:rPr lang="en-US" sz="2000" dirty="0" smtClean="0">
@@ -2293,7 +2343,25 @@
               <a:rPr lang="en-US" sz="2000" dirty="0" smtClean="0">
                 <a:latin typeface="Times New Roman" pitchFamily="18" charset="0"/>
               </a:rPr>
-              <a:t>more. Selecting one of these tables allows users to view the collected velocity measurements of stars for this galaxy, including respective distances from the center of the galaxy, the observed rotation speed, and the calculated errors of these measurements. The citations page lists the papers from which these measurements are referenced.</a:t>
+              <a:t>more. Selecting one of these tables allows users to view the collected velocity measurements of stars for this galaxy, including respective distances from the center of the galaxy, the observed rotation </a:t>
+            </a:r>
+            <a:r>
+              <a:rPr lang="en-US" sz="2000" dirty="0" smtClean="0">
+                <a:latin typeface="Times New Roman" pitchFamily="18" charset="0"/>
+              </a:rPr>
+              <a:t>velocity</a:t>
+            </a:r>
+            <a:r>
+              <a:rPr lang="en-US" sz="2000" dirty="0" smtClean="0">
+                <a:latin typeface="Times New Roman" pitchFamily="18" charset="0"/>
+              </a:rPr>
+              <a:t>, </a:t>
+            </a:r>
+            <a:r>
+              <a:rPr lang="en-US" sz="2000" dirty="0" smtClean="0">
+                <a:latin typeface="Times New Roman" pitchFamily="18" charset="0"/>
+              </a:rPr>
+              <a:t>and the calculated errors of these measurements. The citations page lists the papers from which these measurements are referenced.</a:t>
             </a:r>
           </a:p>
           <a:p>
@@ -2309,28 +2377,10 @@
               <a:t>	</a:t>
             </a:r>
             <a:r>
-              <a:rPr lang="en-US" sz="2000" dirty="0" err="1" smtClean="0">
-                <a:latin typeface="Times New Roman" pitchFamily="18" charset="0"/>
-              </a:rPr>
-              <a:t>RoCM</a:t>
-            </a:r>
-            <a:r>
-              <a:rPr lang="en-US" sz="2000" dirty="0" smtClean="0">
-                <a:latin typeface="Times New Roman" pitchFamily="18" charset="0"/>
-              </a:rPr>
-              <a:t> and </a:t>
-            </a:r>
-            <a:r>
-              <a:rPr lang="en-US" sz="2000" dirty="0" err="1" smtClean="0">
-                <a:latin typeface="Times New Roman" pitchFamily="18" charset="0"/>
-              </a:rPr>
-              <a:t>RoCS</a:t>
-            </a:r>
-            <a:r>
-              <a:rPr lang="en-US" sz="2000" dirty="0" smtClean="0">
-                <a:latin typeface="Times New Roman" pitchFamily="18" charset="0"/>
-              </a:rPr>
-              <a:t> utilize the API provided by SOCM, querying for these high-level galaxy parameters and the galaxies’ constituent velocity measurements. Responses from the API come in the form of JSON (JavaScript Object Notation) objects, which can be parsed and utilized for application purposes.</a:t>
+              <a:rPr lang="en-US" sz="2000" dirty="0" smtClean="0">
+                <a:latin typeface="Times New Roman" pitchFamily="18" charset="0"/>
+              </a:rPr>
+              <a:t>RoCM and RoCS utilize the API provided by SOCM, querying for these high-level galaxy parameters and the galaxies’ constituent velocity measurements. Responses from the API come in the form of JSON (JavaScript Object Notation) objects, which can be parsed and utilized for application purposes.</a:t>
             </a:r>
             <a:endParaRPr lang="en-US" sz="1400" dirty="0">
               <a:latin typeface="Times New Roman" pitchFamily="18" charset="0"/>
@@ -2348,8 +2398,8 @@
         </p:nvSpPr>
         <p:spPr bwMode="auto">
           <a:xfrm>
-            <a:off x="25056703" y="20248800"/>
-            <a:ext cx="6890147" cy="921276"/>
+            <a:off x="25056703" y="20531454"/>
+            <a:ext cx="6890147" cy="745843"/>
           </a:xfrm>
           <a:prstGeom prst="rect">
             <a:avLst/>
@@ -2374,7 +2424,7 @@
                 <a:spcPct val="95000"/>
               </a:lnSpc>
             </a:pPr>
-            <a:endParaRPr lang="en-US" sz="2000" u="sng" dirty="0">
+            <a:endParaRPr lang="en-US" sz="1600" u="sng" dirty="0">
               <a:latin typeface="Times New Roman" pitchFamily="18" charset="0"/>
             </a:endParaRPr>
           </a:p>
@@ -2387,60 +2437,60 @@
               <a:buAutoNum type="arabicPeriod"/>
             </a:pPr>
             <a:r>
-              <a:rPr lang="en-US" sz="2000" dirty="0" err="1" smtClean="0">
+              <a:rPr lang="en-US" sz="1600" dirty="0" err="1" smtClean="0">
                 <a:latin typeface="Times New Roman" pitchFamily="18" charset="0"/>
               </a:rPr>
               <a:t>Bostock</a:t>
             </a:r>
             <a:r>
-              <a:rPr lang="en-US" sz="2000" dirty="0" smtClean="0">
+              <a:rPr lang="en-US" sz="1600" dirty="0" smtClean="0">
                 <a:latin typeface="Times New Roman" pitchFamily="18" charset="0"/>
               </a:rPr>
               <a:t>, Mike; “Data-Driven </a:t>
             </a:r>
             <a:r>
-              <a:rPr lang="en-US" sz="2000" dirty="0">
+              <a:rPr lang="en-US" sz="1600" dirty="0">
                 <a:latin typeface="Times New Roman" pitchFamily="18" charset="0"/>
               </a:rPr>
               <a:t>Documents”; </a:t>
             </a:r>
             <a:r>
-              <a:rPr lang="en-US" sz="2000" dirty="0" smtClean="0">
+              <a:rPr lang="en-US" sz="1600" dirty="0" smtClean="0">
                 <a:latin typeface="Times New Roman" pitchFamily="18" charset="0"/>
               </a:rPr>
               <a:t>Last updated: 2013; Last </a:t>
             </a:r>
             <a:r>
-              <a:rPr lang="en-US" sz="2000" dirty="0" err="1">
+              <a:rPr lang="en-US" sz="1600" dirty="0" err="1">
                 <a:latin typeface="Times New Roman" pitchFamily="18" charset="0"/>
               </a:rPr>
               <a:t>v</a:t>
             </a:r>
             <a:r>
-              <a:rPr lang="en-US" sz="2000" dirty="0" err="1" smtClean="0">
+              <a:rPr lang="en-US" sz="1600" dirty="0" err="1" smtClean="0">
                 <a:latin typeface="Times New Roman" pitchFamily="18" charset="0"/>
               </a:rPr>
               <a:t>isisted</a:t>
             </a:r>
             <a:r>
-              <a:rPr lang="en-US" sz="2000" dirty="0" smtClean="0">
+              <a:rPr lang="en-US" sz="1600" dirty="0" smtClean="0">
                 <a:latin typeface="Times New Roman" pitchFamily="18" charset="0"/>
               </a:rPr>
               <a:t>: July 28, 2014; http</a:t>
             </a:r>
             <a:r>
-              <a:rPr lang="en-US" sz="2000" dirty="0">
+              <a:rPr lang="en-US" sz="1600" dirty="0">
                 <a:latin typeface="Times New Roman" pitchFamily="18" charset="0"/>
               </a:rPr>
               <a:t>://d3js.org</a:t>
             </a:r>
             <a:r>
-              <a:rPr lang="en-US" sz="2000" dirty="0" smtClean="0">
+              <a:rPr lang="en-US" sz="1600" dirty="0" smtClean="0">
                 <a:latin typeface="Times New Roman" pitchFamily="18" charset="0"/>
               </a:rPr>
               <a:t>/</a:t>
             </a:r>
-            <a:endParaRPr lang="en-US" sz="2000" dirty="0">
+            <a:endParaRPr lang="en-US" sz="1600" dirty="0">
               <a:latin typeface="Times New Roman" pitchFamily="18" charset="0"/>
             </a:endParaRPr>
           </a:p>
@@ -2456,8 +2506,8 @@
         </p:nvSpPr>
         <p:spPr bwMode="auto">
           <a:xfrm>
-            <a:off x="24879299" y="16285430"/>
-            <a:ext cx="7267575" cy="3552765"/>
+            <a:off x="24857459" y="16162880"/>
+            <a:ext cx="7320781" cy="4137541"/>
           </a:xfrm>
           <a:prstGeom prst="rect">
             <a:avLst/>
@@ -2472,7 +2522,7 @@
           <a:effectLst/>
         </p:spPr>
         <p:txBody>
-          <a:bodyPr lIns="43688" tIns="21843" rIns="43688" bIns="21843">
+          <a:bodyPr wrap="square" lIns="43688" tIns="21843" rIns="43688" bIns="21843">
             <a:spAutoFit/>
           </a:bodyPr>
           <a:lstStyle/>
@@ -2522,31 +2572,7 @@
               <a:rPr lang="en-US" sz="2000" dirty="0" smtClean="0">
                 <a:latin typeface="Times New Roman" pitchFamily="18" charset="0"/>
               </a:rPr>
-              <a:t> hope is astronomers will upload observed galaxy data to SOCM and </a:t>
-            </a:r>
-            <a:r>
-              <a:rPr lang="en-US" sz="2000" dirty="0" err="1" smtClean="0">
-                <a:latin typeface="Times New Roman" pitchFamily="18" charset="0"/>
-              </a:rPr>
-              <a:t>astrophysisists</a:t>
-            </a:r>
-            <a:r>
-              <a:rPr lang="en-US" sz="2000" dirty="0" smtClean="0">
-                <a:latin typeface="Times New Roman" pitchFamily="18" charset="0"/>
-              </a:rPr>
-              <a:t> will use RoCM to testing </a:t>
-            </a:r>
-            <a:r>
-              <a:rPr lang="en-US" sz="2000" dirty="0" err="1" smtClean="0">
-                <a:latin typeface="Times New Roman" pitchFamily="18" charset="0"/>
-              </a:rPr>
-              <a:t>existsing</a:t>
-            </a:r>
-            <a:r>
-              <a:rPr lang="en-US" sz="2000" dirty="0" smtClean="0">
-                <a:latin typeface="Times New Roman" pitchFamily="18" charset="0"/>
-              </a:rPr>
-              <a:t> and future galactic models to finally understand the dynamics of these giant collection of stars.</a:t>
+              <a:t> hope is astronomers will upload observed galaxy data to SOCM and astrophysicists will use RoCM to testing existing and future galactic models to finally understand the dynamics of these giant collection of stars.</a:t>
             </a:r>
           </a:p>
           <a:p>
@@ -2583,21 +2609,27 @@
               <a:rPr lang="en-US" sz="2000" dirty="0" smtClean="0">
                 <a:latin typeface="Times New Roman" pitchFamily="18" charset="0"/>
               </a:rPr>
-              <a:t>, where users can now view our database of collected measurements and developers may use our API endpoints to use in their own endeavors. RoCM, to be hosted at RotationCurve.org, should be </a:t>
-            </a:r>
-            <a:r>
-              <a:rPr lang="en-US" sz="2000" smtClean="0">
-                <a:latin typeface="Times New Roman" pitchFamily="18" charset="0"/>
-              </a:rPr>
-              <a:t>available </a:t>
-            </a:r>
-            <a:r>
-              <a:rPr lang="en-US" sz="2000" smtClean="0">
-                <a:latin typeface="Times New Roman" pitchFamily="18" charset="0"/>
-              </a:rPr>
-              <a:t>shortly.</a:t>
-            </a:r>
-            <a:endParaRPr lang="en-US" sz="1400" dirty="0">
+              <a:t>, where users can now view our database of collected measurements and developers may use our API endpoints to use in their own endeavors. </a:t>
+            </a:r>
+            <a:r>
+              <a:rPr lang="en-US" sz="2000" dirty="0" smtClean="0">
+                <a:latin typeface="Times New Roman" pitchFamily="18" charset="0"/>
+              </a:rPr>
+              <a:t>RoCM is hosted at rotationcurve.heroku.com and will be shortly moved to rotationcurve.wit.edu / rotationcurve.org. Each project is a contribution to the open source community and can </a:t>
+            </a:r>
+            <a:r>
+              <a:rPr lang="en-US" sz="2000" dirty="0">
+                <a:latin typeface="Times New Roman" pitchFamily="18" charset="0"/>
+              </a:rPr>
+              <a:t>be found here: </a:t>
+            </a:r>
+            <a:r>
+              <a:rPr lang="en-US" sz="2000" u="sng" dirty="0">
+                <a:latin typeface="Times New Roman" pitchFamily="18" charset="0"/>
+              </a:rPr>
+              <a:t>https://github.com/RoCMSOCM</a:t>
+            </a:r>
+            <a:endParaRPr lang="en-US" sz="1400" u="sng" dirty="0">
               <a:latin typeface="Times New Roman" pitchFamily="18" charset="0"/>
             </a:endParaRPr>
           </a:p>
@@ -2613,8 +2645,8 @@
         </p:nvSpPr>
         <p:spPr bwMode="auto">
           <a:xfrm>
-            <a:off x="624814" y="4221130"/>
-            <a:ext cx="7372350" cy="1004662"/>
+            <a:off x="624814" y="4323478"/>
+            <a:ext cx="7372350" cy="896940"/>
           </a:xfrm>
           <a:prstGeom prst="rect">
             <a:avLst/>
@@ -2635,13 +2667,13 @@
           <a:lstStyle/>
           <a:p>
             <a:r>
-              <a:rPr lang="en-US" b="1" dirty="0" smtClean="0">
+              <a:rPr lang="en-US" sz="5400" b="1" dirty="0" smtClean="0">
                 <a:latin typeface="+mj-lt"/>
                 <a:cs typeface="Times New Roman" pitchFamily="18" charset="0"/>
               </a:rPr>
               <a:t>Introduction</a:t>
             </a:r>
-            <a:endParaRPr lang="en-US" sz="3100" dirty="0">
+            <a:endParaRPr lang="en-US" sz="2400" dirty="0">
               <a:latin typeface="+mj-lt"/>
               <a:cs typeface="Times New Roman" pitchFamily="18" charset="0"/>
             </a:endParaRPr>
@@ -2691,8 +2723,8 @@
         </p:nvSpPr>
         <p:spPr bwMode="auto">
           <a:xfrm>
-            <a:off x="16800909" y="15903329"/>
-            <a:ext cx="7334250" cy="5298145"/>
+            <a:off x="16800908" y="15745466"/>
+            <a:ext cx="7334250" cy="5605922"/>
           </a:xfrm>
           <a:prstGeom prst="rect">
             <a:avLst/>
@@ -2718,133 +2750,98 @@
                 <a:latin typeface="Times New Roman" pitchFamily="18" charset="0"/>
                 <a:cs typeface="Times New Roman" pitchFamily="18" charset="0"/>
               </a:rPr>
-              <a:t>       </a:t>
+              <a:t>       RoCM was also built as a Ruby on Rails application, along with a number of JavaScript libraries and our SOCM application as its database. The single-page website consists of the following: quick-reference table of SOCM (to select galaxies to plot), a table of sliders to manipulate values calculated from </a:t>
+            </a:r>
+            <a:r>
+              <a:rPr lang="en-US" sz="2000" dirty="0" smtClean="0">
+                <a:latin typeface="Times New Roman" pitchFamily="18" charset="0"/>
+                <a:cs typeface="Times New Roman" pitchFamily="18" charset="0"/>
+              </a:rPr>
+              <a:t>galactic </a:t>
+            </a:r>
+            <a:r>
+              <a:rPr lang="en-US" sz="2000" dirty="0" smtClean="0">
+                <a:latin typeface="Times New Roman" pitchFamily="18" charset="0"/>
+                <a:cs typeface="Times New Roman" pitchFamily="18" charset="0"/>
+              </a:rPr>
+              <a:t>models (for </a:t>
+            </a:r>
+            <a:r>
+              <a:rPr lang="en-US" sz="2000" dirty="0" smtClean="0">
+                <a:latin typeface="Times New Roman" pitchFamily="18" charset="0"/>
+                <a:cs typeface="Times New Roman" pitchFamily="18" charset="0"/>
+              </a:rPr>
+              <a:t>parameter fitting purposes</a:t>
+            </a:r>
+            <a:r>
+              <a:rPr lang="en-US" sz="2000" dirty="0" smtClean="0">
+                <a:latin typeface="Times New Roman" pitchFamily="18" charset="0"/>
+                <a:cs typeface="Times New Roman" pitchFamily="18" charset="0"/>
+              </a:rPr>
+              <a:t>), a </a:t>
+            </a:r>
+            <a:r>
+              <a:rPr lang="en-US" sz="2000" dirty="0" smtClean="0">
+                <a:latin typeface="Times New Roman" pitchFamily="18" charset="0"/>
+                <a:cs typeface="Times New Roman" pitchFamily="18" charset="0"/>
+              </a:rPr>
+              <a:t>rotation </a:t>
+            </a:r>
+            <a:r>
+              <a:rPr lang="en-US" sz="2000" dirty="0">
+                <a:latin typeface="Times New Roman" pitchFamily="18" charset="0"/>
+                <a:cs typeface="Times New Roman" pitchFamily="18" charset="0"/>
+              </a:rPr>
+              <a:t>v</a:t>
+            </a:r>
+            <a:r>
+              <a:rPr lang="en-US" sz="2000" dirty="0" smtClean="0">
+                <a:latin typeface="Times New Roman" pitchFamily="18" charset="0"/>
+                <a:cs typeface="Times New Roman" pitchFamily="18" charset="0"/>
+              </a:rPr>
+              <a:t>elocity over </a:t>
+            </a:r>
+            <a:r>
+              <a:rPr lang="en-US" sz="2000" dirty="0" smtClean="0">
+                <a:latin typeface="Times New Roman" pitchFamily="18" charset="0"/>
+                <a:cs typeface="Times New Roman" pitchFamily="18" charset="0"/>
+              </a:rPr>
+              <a:t>galactocentric </a:t>
+            </a:r>
+            <a:r>
+              <a:rPr lang="en-US" sz="2000" dirty="0" smtClean="0">
+                <a:latin typeface="Times New Roman" pitchFamily="18" charset="0"/>
+                <a:cs typeface="Times New Roman" pitchFamily="18" charset="0"/>
+              </a:rPr>
+              <a:t>distance graph to plot models against collected data, a button to save the </a:t>
+            </a:r>
+            <a:r>
+              <a:rPr lang="en-US" sz="2000" dirty="0" smtClean="0">
+                <a:latin typeface="Times New Roman" pitchFamily="18" charset="0"/>
+                <a:cs typeface="Times New Roman" pitchFamily="18" charset="0"/>
+              </a:rPr>
+              <a:t>graph as an SVG (Scalable Vector Graphic), </a:t>
+            </a:r>
+            <a:r>
+              <a:rPr lang="en-US" sz="2000" dirty="0" smtClean="0">
+                <a:latin typeface="Times New Roman" pitchFamily="18" charset="0"/>
+                <a:cs typeface="Times New Roman" pitchFamily="18" charset="0"/>
+              </a:rPr>
+              <a:t>a button to send the selected model to RoCS, a section for users to import their own models to use on the graph, and a section for users to import their models in </a:t>
             </a:r>
             <a:r>
               <a:rPr lang="en-US" sz="2000" dirty="0" err="1" smtClean="0">
                 <a:latin typeface="Times New Roman" pitchFamily="18" charset="0"/>
                 <a:cs typeface="Times New Roman" pitchFamily="18" charset="0"/>
               </a:rPr>
-              <a:t>RoCM</a:t>
+              <a:t>LaTeX</a:t>
             </a:r>
             <a:r>
               <a:rPr lang="en-US" sz="2000" dirty="0" smtClean="0">
                 <a:latin typeface="Times New Roman" pitchFamily="18" charset="0"/>
                 <a:cs typeface="Times New Roman" pitchFamily="18" charset="0"/>
               </a:rPr>
-              <a:t> was also built as a Ruby on Rails application, along with a number of JavaScript libraries and our SOCM application as its database. The single-page website consists of the following: quick-reference table of SOCM (to select galaxies to plot), a table of sliders to manipulate values calculated from </a:t>
-            </a:r>
-            <a:r>
-              <a:rPr lang="en-US" sz="2000" dirty="0" smtClean="0">
-                <a:latin typeface="Times New Roman" pitchFamily="18" charset="0"/>
-                <a:cs typeface="Times New Roman" pitchFamily="18" charset="0"/>
-              </a:rPr>
-              <a:t>galactic </a:t>
-            </a:r>
-            <a:r>
-              <a:rPr lang="en-US" sz="2000" dirty="0" smtClean="0">
-                <a:latin typeface="Times New Roman" pitchFamily="18" charset="0"/>
-                <a:cs typeface="Times New Roman" pitchFamily="18" charset="0"/>
-              </a:rPr>
-              <a:t>models (for </a:t>
-            </a:r>
-            <a:r>
-              <a:rPr lang="en-US" sz="2000" dirty="0" smtClean="0">
-                <a:latin typeface="Times New Roman" pitchFamily="18" charset="0"/>
-                <a:cs typeface="Times New Roman" pitchFamily="18" charset="0"/>
-              </a:rPr>
-              <a:t>parameter fitting purposes</a:t>
-            </a:r>
-            <a:r>
-              <a:rPr lang="en-US" sz="2000" dirty="0" smtClean="0">
-                <a:latin typeface="Times New Roman" pitchFamily="18" charset="0"/>
-                <a:cs typeface="Times New Roman" pitchFamily="18" charset="0"/>
-              </a:rPr>
-              <a:t>), a </a:t>
-            </a:r>
-            <a:r>
-              <a:rPr lang="en-US" sz="2000" dirty="0" smtClean="0">
-                <a:latin typeface="Times New Roman" pitchFamily="18" charset="0"/>
-                <a:cs typeface="Times New Roman" pitchFamily="18" charset="0"/>
-              </a:rPr>
-              <a:t>rotation </a:t>
-            </a:r>
-            <a:r>
-              <a:rPr lang="en-US" sz="2000" dirty="0">
-                <a:latin typeface="Times New Roman" pitchFamily="18" charset="0"/>
-                <a:cs typeface="Times New Roman" pitchFamily="18" charset="0"/>
-              </a:rPr>
-              <a:t>v</a:t>
-            </a:r>
-            <a:r>
-              <a:rPr lang="en-US" sz="2000" dirty="0" smtClean="0">
-                <a:latin typeface="Times New Roman" pitchFamily="18" charset="0"/>
-                <a:cs typeface="Times New Roman" pitchFamily="18" charset="0"/>
-              </a:rPr>
-              <a:t>elocity over </a:t>
-            </a:r>
-            <a:r>
-              <a:rPr lang="en-US" sz="2000" dirty="0" err="1" smtClean="0">
-                <a:latin typeface="Times New Roman" pitchFamily="18" charset="0"/>
-                <a:cs typeface="Times New Roman" pitchFamily="18" charset="0"/>
-              </a:rPr>
-              <a:t>galactocentric</a:t>
-            </a:r>
-            <a:r>
-              <a:rPr lang="en-US" sz="2000" dirty="0" smtClean="0">
-                <a:latin typeface="Times New Roman" pitchFamily="18" charset="0"/>
-                <a:cs typeface="Times New Roman" pitchFamily="18" charset="0"/>
-              </a:rPr>
-              <a:t> </a:t>
-            </a:r>
-            <a:r>
-              <a:rPr lang="en-US" sz="2000" dirty="0" smtClean="0">
-                <a:latin typeface="Times New Roman" pitchFamily="18" charset="0"/>
-                <a:cs typeface="Times New Roman" pitchFamily="18" charset="0"/>
-              </a:rPr>
-              <a:t>distance graph to plot models against collected data, a button to save the graph, a button to send the selected model to </a:t>
-            </a:r>
-            <a:r>
-              <a:rPr lang="en-US" sz="2000" dirty="0" err="1" smtClean="0">
-                <a:latin typeface="Times New Roman" pitchFamily="18" charset="0"/>
-                <a:cs typeface="Times New Roman" pitchFamily="18" charset="0"/>
-              </a:rPr>
-              <a:t>RoCS</a:t>
-            </a:r>
-            <a:r>
-              <a:rPr lang="en-US" sz="2000" dirty="0" smtClean="0">
-                <a:latin typeface="Times New Roman" pitchFamily="18" charset="0"/>
-                <a:cs typeface="Times New Roman" pitchFamily="18" charset="0"/>
-              </a:rPr>
-              <a:t>, a section for users to import their own models to use on the graph, and a section for users to import their models in </a:t>
-            </a:r>
-            <a:r>
-              <a:rPr lang="en-US" sz="2000" dirty="0" err="1" smtClean="0">
-                <a:latin typeface="Times New Roman" pitchFamily="18" charset="0"/>
-                <a:cs typeface="Times New Roman" pitchFamily="18" charset="0"/>
-              </a:rPr>
-              <a:t>LaTeX</a:t>
-            </a:r>
-            <a:r>
-              <a:rPr lang="en-US" sz="2000" dirty="0" smtClean="0">
-                <a:latin typeface="Times New Roman" pitchFamily="18" charset="0"/>
-                <a:cs typeface="Times New Roman" pitchFamily="18" charset="0"/>
-              </a:rPr>
-              <a:t> format. These tools all contribute to the powerful functionality we’ve provided in </a:t>
-            </a:r>
-            <a:r>
-              <a:rPr lang="en-US" sz="2000" dirty="0" err="1" smtClean="0">
-                <a:latin typeface="Times New Roman" pitchFamily="18" charset="0"/>
-                <a:cs typeface="Times New Roman" pitchFamily="18" charset="0"/>
-              </a:rPr>
-              <a:t>RoCM</a:t>
-            </a:r>
-            <a:r>
-              <a:rPr lang="en-US" sz="2000" dirty="0" smtClean="0">
-                <a:latin typeface="Times New Roman" pitchFamily="18" charset="0"/>
-                <a:cs typeface="Times New Roman" pitchFamily="18" charset="0"/>
-              </a:rPr>
-              <a:t>.</a:t>
+              <a:t> format. These tools all contribute to the powerful functionality we’ve provided in RoCM.</a:t>
             </a:r>
           </a:p>
           <a:p>
@@ -2896,21 +2893,7 @@
                 <a:latin typeface="Times New Roman" pitchFamily="18" charset="0"/>
                 <a:cs typeface="Times New Roman" pitchFamily="18" charset="0"/>
               </a:rPr>
-              <a:t>) to pull data from SOCM. The D3 library then helps us translate and manipulate that data to create the rich graphs and tables provided in </a:t>
-            </a:r>
-            <a:r>
-              <a:rPr lang="en-US" sz="2000" dirty="0" err="1" smtClean="0">
-                <a:latin typeface="Times New Roman" pitchFamily="18" charset="0"/>
-                <a:cs typeface="Times New Roman" pitchFamily="18" charset="0"/>
-              </a:rPr>
-              <a:t>RoCM</a:t>
-            </a:r>
-            <a:r>
-              <a:rPr lang="en-US" sz="2000" dirty="0" smtClean="0">
-                <a:latin typeface="Times New Roman" pitchFamily="18" charset="0"/>
-                <a:cs typeface="Times New Roman" pitchFamily="18" charset="0"/>
-              </a:rPr>
-              <a:t>.</a:t>
+              <a:t>) to pull data from SOCM. The D3 library then helps us translate and manipulate that data to create the rich graphs and tables provided in RoCM.</a:t>
             </a:r>
             <a:endParaRPr lang="en-US" sz="2000" dirty="0">
               <a:latin typeface="Times New Roman" pitchFamily="18" charset="0"/>
@@ -2927,15 +2910,22 @@
           </p:cNvPicPr>
           <p:nvPr/>
         </p:nvPicPr>
-        <p:blipFill rotWithShape="1">
-          <a:blip r:embed="rId4"/>
-          <a:srcRect b="12991"/>
-          <a:stretch/>
+        <p:blipFill>
+          <a:blip r:embed="rId4">
+            <a:extLst>
+              <a:ext uri="{28A0092B-C50C-407E-A947-70E740481C1C}">
+                <a14:useLocalDpi xmlns:a14="http://schemas.microsoft.com/office/drawing/2010/main" val="0"/>
+              </a:ext>
+            </a:extLst>
+          </a:blip>
+          <a:stretch>
+            <a:fillRect/>
+          </a:stretch>
         </p:blipFill>
         <p:spPr>
           <a:xfrm>
-            <a:off x="8706453" y="11989034"/>
-            <a:ext cx="7352697" cy="3598638"/>
+            <a:off x="9495500" y="12062329"/>
+            <a:ext cx="5754946" cy="3598638"/>
           </a:xfrm>
           <a:prstGeom prst="rect">
             <a:avLst/>
@@ -2957,8 +2947,8 @@
         </p:nvSpPr>
         <p:spPr bwMode="auto">
           <a:xfrm>
-            <a:off x="16647982" y="14705392"/>
-            <a:ext cx="7372350" cy="1004662"/>
+            <a:off x="16647982" y="14665522"/>
+            <a:ext cx="7372350" cy="896940"/>
           </a:xfrm>
           <a:prstGeom prst="rect">
             <a:avLst/>
@@ -2984,10 +2974,10 @@
               </a:spcBef>
             </a:pPr>
             <a:r>
-              <a:rPr lang="en-US" b="1" dirty="0" smtClean="0"/>
+              <a:rPr lang="en-US" sz="5400" b="1" dirty="0" smtClean="0"/>
               <a:t>Implementation</a:t>
             </a:r>
-            <a:endParaRPr lang="en-US" b="1" dirty="0"/>
+            <a:endParaRPr lang="en-US" sz="5400" b="1" dirty="0"/>
           </a:p>
         </p:txBody>
       </p:sp>
@@ -3067,8 +3057,8 @@
         </p:blipFill>
         <p:spPr>
           <a:xfrm>
-            <a:off x="24917400" y="7660696"/>
-            <a:ext cx="7282680" cy="3380821"/>
+            <a:off x="24917400" y="7595528"/>
+            <a:ext cx="7282680" cy="3379163"/>
           </a:xfrm>
           <a:prstGeom prst="rect">
             <a:avLst/>
@@ -3127,7 +3117,7 @@
           </p:cNvPicPr>
           <p:nvPr/>
         </p:nvPicPr>
-        <p:blipFill rotWithShape="1">
+        <p:blipFill>
           <a:blip r:embed="rId7">
             <a:extLst>
               <a:ext uri="{28A0092B-C50C-407E-A947-70E740481C1C}">
@@ -3135,13 +3125,14 @@
               </a:ext>
             </a:extLst>
           </a:blip>
-          <a:srcRect b="2907"/>
-          <a:stretch/>
+          <a:stretch>
+            <a:fillRect/>
+          </a:stretch>
         </p:blipFill>
         <p:spPr>
           <a:xfrm>
-            <a:off x="8878265" y="17415743"/>
-            <a:ext cx="7064280" cy="3720956"/>
+            <a:off x="8869410" y="17621149"/>
+            <a:ext cx="7064280" cy="3449162"/>
           </a:xfrm>
           <a:prstGeom prst="rect">
             <a:avLst/>
@@ -3163,7 +3154,7 @@
         </p:nvSpPr>
         <p:spPr bwMode="auto">
           <a:xfrm>
-            <a:off x="8573801" y="15800193"/>
+            <a:off x="8573800" y="15900200"/>
             <a:ext cx="7598347" cy="1481716"/>
           </a:xfrm>
           <a:prstGeom prst="rect">
@@ -3218,7 +3209,7 @@
         </p:blipFill>
         <p:spPr>
           <a:xfrm>
-            <a:off x="25178926" y="11261700"/>
+            <a:off x="25178926" y="11143669"/>
             <a:ext cx="6722682" cy="3871881"/>
           </a:xfrm>
           <a:prstGeom prst="rect">
@@ -3248,7 +3239,7 @@
         </p:blipFill>
         <p:spPr>
           <a:xfrm>
-            <a:off x="1123776" y="17915619"/>
+            <a:off x="1156309" y="18370010"/>
             <a:ext cx="6309360" cy="2743200"/>
           </a:xfrm>
           <a:prstGeom prst="rect">
@@ -3283,7 +3274,7 @@
         </p:blipFill>
         <p:spPr>
           <a:xfrm>
-            <a:off x="1184495" y="14672543"/>
+            <a:off x="1188720" y="15332568"/>
             <a:ext cx="6309360" cy="2743200"/>
           </a:xfrm>
           <a:prstGeom prst="rect">
@@ -3434,7 +3425,7 @@
         </p:nvSpPr>
         <p:spPr bwMode="auto">
           <a:xfrm>
-            <a:off x="24834651" y="5061892"/>
+            <a:off x="24834651" y="5128035"/>
             <a:ext cx="7334250" cy="2220380"/>
           </a:xfrm>
           <a:prstGeom prst="rect">
@@ -3461,40 +3452,56 @@
                 <a:latin typeface="Times New Roman" pitchFamily="18" charset="0"/>
                 <a:cs typeface="Times New Roman" pitchFamily="18" charset="0"/>
               </a:rPr>
-              <a:t>        </a:t>
-            </a:r>
-            <a:r>
-              <a:rPr lang="en-US" sz="2000" dirty="0" err="1" smtClean="0">
-                <a:latin typeface="Times New Roman" pitchFamily="18" charset="0"/>
-                <a:cs typeface="Times New Roman" pitchFamily="18" charset="0"/>
-              </a:rPr>
-              <a:t>RoCS</a:t>
-            </a:r>
-            <a:r>
-              <a:rPr lang="en-US" sz="2000" dirty="0" smtClean="0">
-                <a:latin typeface="Times New Roman" pitchFamily="18" charset="0"/>
-                <a:cs typeface="Times New Roman" pitchFamily="18" charset="0"/>
-              </a:rPr>
-              <a:t> provides a way to visualize the spin of the galaxy in question. The user can simulate either just the observational data, or a specified model against the data. The color scale represent the relative minimum and maximum velocity for the stars around the center of the galaxy. The scale helps recognize when the rotation curve simulation of a model doesn’t match up with the observational data (see the </a:t>
-            </a:r>
-            <a:r>
-              <a:rPr lang="en-US" sz="2000" dirty="0" err="1" smtClean="0">
-                <a:latin typeface="Times New Roman" pitchFamily="18" charset="0"/>
-                <a:cs typeface="Times New Roman" pitchFamily="18" charset="0"/>
-              </a:rPr>
-              <a:t>RoCS</a:t>
-            </a:r>
-            <a:r>
-              <a:rPr lang="en-US" sz="2000" dirty="0" smtClean="0">
-                <a:latin typeface="Times New Roman" pitchFamily="18" charset="0"/>
-                <a:cs typeface="Times New Roman" pitchFamily="18" charset="0"/>
-              </a:rPr>
-              <a:t> webpage for the animation of the full rotation simulation).</a:t>
+              <a:t>        RoCS provides a way to visualize the spin of the galaxy in question. The user can simulate either just the observational data, or a specified model against the data. The color scale represent the relative minimum and maximum velocity for the stars around the center of the galaxy. The scale helps recognize when the rotation curve simulation of a model doesn’t match up with the observational data (see the RoCS webpage for the animation of the full rotation simulation).</a:t>
             </a:r>
             <a:endParaRPr lang="en-US" sz="2000" dirty="0">
               <a:latin typeface="Times New Roman" pitchFamily="18" charset="0"/>
               <a:cs typeface="Times New Roman" pitchFamily="18" charset="0"/>
             </a:endParaRPr>
+          </a:p>
+        </p:txBody>
+      </p:sp>
+      <p:sp>
+        <p:nvSpPr>
+          <p:cNvPr id="46" name="Text Box 19"/>
+          <p:cNvSpPr txBox="1">
+            <a:spLocks noChangeArrowheads="1"/>
+          </p:cNvSpPr>
+          <p:nvPr/>
+        </p:nvSpPr>
+        <p:spPr bwMode="auto">
+          <a:xfrm>
+            <a:off x="572534" y="14377828"/>
+            <a:ext cx="7598347" cy="773830"/>
+          </a:xfrm>
+          <a:prstGeom prst="rect">
+            <a:avLst/>
+          </a:prstGeom>
+          <a:noFill/>
+          <a:ln w="9525">
+            <a:noFill/>
+            <a:miter lim="800000"/>
+            <a:headEnd/>
+            <a:tailEnd/>
+          </a:ln>
+          <a:effectLst/>
+        </p:spPr>
+        <p:txBody>
+          <a:bodyPr wrap="square" lIns="65306" tIns="32653" rIns="65306" bIns="32653">
+            <a:spAutoFit/>
+          </a:bodyPr>
+          <a:lstStyle/>
+          <a:p>
+            <a:pPr defTabSz="3134937">
+              <a:spcBef>
+                <a:spcPct val="50000"/>
+              </a:spcBef>
+            </a:pPr>
+            <a:r>
+              <a:rPr lang="en-US" sz="4600" b="1" dirty="0" smtClean="0"/>
+              <a:t>Example Rotation Curves</a:t>
+            </a:r>
+            <a:endParaRPr lang="en-US" sz="4600" b="1" dirty="0" smtClean="0"/>
           </a:p>
         </p:txBody>
       </p:sp>

--- a/tex/final poster/Moss Clement McGee Miller Project Poster.pptx
+++ b/tex/final poster/Moss Clement McGee Miller Project Poster.pptx
@@ -139,7 +139,7 @@
   </p:defaultTextStyle>
   <p:extLst>
     <p:ext uri="{EFAFB233-063F-42B5-8137-9DF3F51BA10A}">
-      <p15:sldGuideLst xmlns:p15="http://schemas.microsoft.com/office/powerpoint/2012/main">
+      <p15:sldGuideLst xmlns:p15="http://schemas.microsoft.com/office/powerpoint/2012/main" xmlns="">
         <p15:guide id="1" orient="horz" pos="3224">
           <p15:clr>
             <a:srgbClr val="A4A3A4"/>
@@ -1445,8 +1445,8 @@
         </p:nvSpPr>
         <p:spPr bwMode="auto">
           <a:xfrm>
-            <a:off x="704583" y="5480053"/>
-            <a:ext cx="7334250" cy="8683688"/>
+            <a:off x="704582" y="5375784"/>
+            <a:ext cx="7334250" cy="8991464"/>
           </a:xfrm>
           <a:prstGeom prst="rect">
             <a:avLst/>
@@ -1570,7 +1570,7 @@
                 <a:latin typeface="Times New Roman" panose="02020603050405020304" pitchFamily="18" charset="0"/>
                 <a:cs typeface="Times New Roman" panose="02020603050405020304" pitchFamily="18" charset="0"/>
               </a:rPr>
-              <a:t>RotationCurve.org intends to solve both of these problems by providing a space to generalize </a:t>
+              <a:t>This astronomical project intends to solve both of these problems by providing a space to generalize </a:t>
             </a:r>
             <a:r>
               <a:rPr lang="en-US" sz="2000" dirty="0">
@@ -1598,21 +1598,7 @@
                 <a:latin typeface="Times New Roman" panose="02020603050405020304" pitchFamily="18" charset="0"/>
                 <a:cs typeface="Times New Roman" panose="02020603050405020304" pitchFamily="18" charset="0"/>
               </a:rPr>
-              <a:t>of </a:t>
-            </a:r>
-            <a:r>
-              <a:rPr lang="en-US" sz="2000" dirty="0" smtClean="0">
-                <a:latin typeface="Times New Roman" panose="02020603050405020304" pitchFamily="18" charset="0"/>
-                <a:cs typeface="Times New Roman" panose="02020603050405020304" pitchFamily="18" charset="0"/>
-              </a:rPr>
-              <a:t>galactic parameters and observed </a:t>
-            </a:r>
-            <a:r>
-              <a:rPr lang="en-US" sz="2000" dirty="0" smtClean="0">
-                <a:latin typeface="Times New Roman" panose="02020603050405020304" pitchFamily="18" charset="0"/>
-                <a:cs typeface="Times New Roman" panose="02020603050405020304" pitchFamily="18" charset="0"/>
-              </a:rPr>
-              <a:t>velocity data for </a:t>
+              <a:t>of galactic parameters and observed velocity data for </a:t>
             </a:r>
             <a:r>
               <a:rPr lang="en-US" sz="2000" dirty="0">
@@ -1626,115 +1612,55 @@
                 <a:latin typeface="Times New Roman" panose="02020603050405020304" pitchFamily="18" charset="0"/>
                 <a:cs typeface="Times New Roman" panose="02020603050405020304" pitchFamily="18" charset="0"/>
               </a:rPr>
-              <a:t>. The website will consist of two major </a:t>
+              <a:t>. The website </a:t>
             </a:r>
             <a:r>
               <a:rPr lang="en-US" sz="2000" dirty="0" smtClean="0">
                 <a:latin typeface="Times New Roman" panose="02020603050405020304" pitchFamily="18" charset="0"/>
                 <a:cs typeface="Times New Roman" panose="02020603050405020304" pitchFamily="18" charset="0"/>
               </a:rPr>
-              <a:t>components: a galactic database (SOCM) and a galaxy modeler (RoCM).</a:t>
-            </a:r>
-            <a:endParaRPr lang="en-US" sz="2000" dirty="0" smtClean="0">
-              <a:latin typeface="Times New Roman" panose="02020603050405020304" pitchFamily="18" charset="0"/>
-              <a:cs typeface="Times New Roman" panose="02020603050405020304" pitchFamily="18" charset="0"/>
-            </a:endParaRPr>
-          </a:p>
-          <a:p>
-            <a:pPr algn="l"/>
+              <a:t>consists </a:t>
+            </a:r>
             <a:r>
               <a:rPr lang="en-US" sz="2000" dirty="0" smtClean="0">
                 <a:latin typeface="Times New Roman" panose="02020603050405020304" pitchFamily="18" charset="0"/>
                 <a:cs typeface="Times New Roman" panose="02020603050405020304" pitchFamily="18" charset="0"/>
               </a:rPr>
-              <a:t>      Scholarly Observed Celestial Measurements (SOCM) will serve as both a central database and API (Application Programming Interface) for researchers and programmers alike. SOCM includes galactic data collected on </a:t>
-            </a:r>
+              <a:t>of two major components: a galactic database (SOCM) and a galaxy modeler (RoCM).</a:t>
+            </a:r>
+          </a:p>
+          <a:p>
+            <a:pPr algn="l"/>
             <a:r>
               <a:rPr lang="en-US" sz="2000" dirty="0" smtClean="0">
                 <a:latin typeface="Times New Roman" panose="02020603050405020304" pitchFamily="18" charset="0"/>
                 <a:cs typeface="Times New Roman" panose="02020603050405020304" pitchFamily="18" charset="0"/>
               </a:rPr>
-              <a:t>112 </a:t>
-            </a:r>
+              <a:t>      Scholarly Observed Celestial Measurements (SOCM) serves as both a central database and API (Application Programming Interface) for researchers and programmers alike. SOCM includes galactic data collected on 112 galaxies, including the peer-reviewed measurements of stars contained therein. Users may submit new measurements to the SOCM administrator for approval. Programmers may pull from the SOCM API for any application they so desire.</a:t>
+            </a:r>
+          </a:p>
+          <a:p>
+            <a:pPr algn="l"/>
             <a:r>
               <a:rPr lang="en-US" sz="2000" dirty="0" smtClean="0">
                 <a:latin typeface="Times New Roman" panose="02020603050405020304" pitchFamily="18" charset="0"/>
                 <a:cs typeface="Times New Roman" panose="02020603050405020304" pitchFamily="18" charset="0"/>
               </a:rPr>
-              <a:t>galaxies, including the peer-reviewed measurements of stars contained therein. Users may submit new measurements to the SOCM administrator for approval. Programmers may pull from the SOCM API for any application they so desire.</a:t>
-            </a:r>
-          </a:p>
-          <a:p>
-            <a:pPr algn="l"/>
+              <a:t>      The Rotation Curve Modeler (RoCM) serves as a tool to model the rotation of star clusters around the center of a galaxy. It’s purpose is to test all existing galactic models against the observational data for that specified galaxy. With observable data as the input (via SOCM), any arbitrary galaxy can be imported into the tool. The tool </a:t>
+            </a:r>
             <a:r>
               <a:rPr lang="en-US" sz="2000" dirty="0" smtClean="0">
                 <a:latin typeface="Times New Roman" panose="02020603050405020304" pitchFamily="18" charset="0"/>
                 <a:cs typeface="Times New Roman" panose="02020603050405020304" pitchFamily="18" charset="0"/>
               </a:rPr>
-              <a:t>      The Rotation Curve Modeler (RoCM) will serve as a visual modeler for our collections of data and contemporary theories within </a:t>
+              <a:t>plots </a:t>
             </a:r>
             <a:r>
               <a:rPr lang="en-US" sz="2000" dirty="0" smtClean="0">
                 <a:latin typeface="Times New Roman" panose="02020603050405020304" pitchFamily="18" charset="0"/>
                 <a:cs typeface="Times New Roman" panose="02020603050405020304" pitchFamily="18" charset="0"/>
               </a:rPr>
-              <a:t>astrophysics that solve the rotation curve problem. </a:t>
-            </a:r>
-            <a:r>
-              <a:rPr lang="en-US" sz="2000" dirty="0" smtClean="0">
-                <a:latin typeface="Times New Roman" panose="02020603050405020304" pitchFamily="18" charset="0"/>
-                <a:cs typeface="Times New Roman" panose="02020603050405020304" pitchFamily="18" charset="0"/>
-              </a:rPr>
-              <a:t>With observable data as the input (via SOCM), any galaxy can be imported into the tool. The tool will plot observational data and multiple galactic models together as a graph, as well as enable users to import their own galactic models to test against existing theories. Sliders will allow users to control </a:t>
-            </a:r>
-            <a:r>
-              <a:rPr lang="en-US" sz="2000" dirty="0" smtClean="0">
-                <a:latin typeface="Times New Roman" panose="02020603050405020304" pitchFamily="18" charset="0"/>
-                <a:cs typeface="Times New Roman" panose="02020603050405020304" pitchFamily="18" charset="0"/>
-              </a:rPr>
-              <a:t>free fitting parameters </a:t>
-            </a:r>
-            <a:r>
-              <a:rPr lang="en-US" sz="2000" dirty="0" smtClean="0">
-                <a:latin typeface="Times New Roman" panose="02020603050405020304" pitchFamily="18" charset="0"/>
-                <a:cs typeface="Times New Roman" panose="02020603050405020304" pitchFamily="18" charset="0"/>
-              </a:rPr>
-              <a:t>within their models with real-time visual feedback in the generated graph. Users may also generate a </a:t>
-            </a:r>
-            <a:r>
-              <a:rPr lang="en-US" sz="2000" dirty="0" smtClean="0">
-                <a:latin typeface="Times New Roman" panose="02020603050405020304" pitchFamily="18" charset="0"/>
-                <a:cs typeface="Times New Roman" panose="02020603050405020304" pitchFamily="18" charset="0"/>
-              </a:rPr>
-              <a:t>Rotation Curve Simulation </a:t>
-            </a:r>
-            <a:r>
-              <a:rPr lang="en-US" sz="2000" dirty="0" smtClean="0">
-                <a:latin typeface="Times New Roman" panose="02020603050405020304" pitchFamily="18" charset="0"/>
-                <a:cs typeface="Times New Roman" panose="02020603050405020304" pitchFamily="18" charset="0"/>
-              </a:rPr>
-              <a:t>(</a:t>
-            </a:r>
-            <a:r>
-              <a:rPr lang="en-US" sz="2000" dirty="0" err="1" smtClean="0">
-                <a:latin typeface="Times New Roman" panose="02020603050405020304" pitchFamily="18" charset="0"/>
-                <a:cs typeface="Times New Roman" panose="02020603050405020304" pitchFamily="18" charset="0"/>
-              </a:rPr>
-              <a:t>RoCS</a:t>
-            </a:r>
-            <a:r>
-              <a:rPr lang="en-US" sz="2000" dirty="0" smtClean="0">
-                <a:latin typeface="Times New Roman" panose="02020603050405020304" pitchFamily="18" charset="0"/>
-                <a:cs typeface="Times New Roman" panose="02020603050405020304" pitchFamily="18" charset="0"/>
-              </a:rPr>
-              <a:t>) </a:t>
-            </a:r>
-            <a:r>
-              <a:rPr lang="en-US" sz="2000" dirty="0" smtClean="0">
-                <a:latin typeface="Times New Roman" panose="02020603050405020304" pitchFamily="18" charset="0"/>
-                <a:cs typeface="Times New Roman" panose="02020603050405020304" pitchFamily="18" charset="0"/>
-              </a:rPr>
-              <a:t>to view their models against the data in three-dimensional rendering.</a:t>
+              <a:t>observational data and multiple galactic models together as a graph, and enables users to import their own galactic models to test against existing theories. Parameter value sliders allow users to control free fitting parameters within their models with real-time visual feedback in the generated graph. Users may also generate a Rotation Curve Simulation (RoCS) to view their models against the data in two-dimensional rendering.</a:t>
             </a:r>
             <a:endParaRPr lang="en-US" sz="2000" dirty="0">
               <a:latin typeface="Times New Roman" panose="02020603050405020304" pitchFamily="18" charset="0"/>
@@ -1753,8 +1679,8 @@
         </p:nvSpPr>
         <p:spPr bwMode="auto">
           <a:xfrm>
-            <a:off x="8686800" y="4221130"/>
-            <a:ext cx="7372350" cy="1004662"/>
+            <a:off x="8686799" y="4272235"/>
+            <a:ext cx="7372350" cy="896940"/>
           </a:xfrm>
           <a:prstGeom prst="rect">
             <a:avLst/>
@@ -1780,10 +1706,10 @@
               </a:spcBef>
             </a:pPr>
             <a:r>
-              <a:rPr lang="en-US" b="1" dirty="0" smtClean="0"/>
+              <a:rPr lang="en-US" sz="5400" b="1" dirty="0" smtClean="0"/>
               <a:t>Design</a:t>
             </a:r>
-            <a:endParaRPr lang="en-US" b="1" dirty="0"/>
+            <a:endParaRPr lang="en-US" sz="5400" b="1" dirty="0"/>
           </a:p>
         </p:txBody>
       </p:sp>
@@ -1797,8 +1723,8 @@
         </p:nvSpPr>
         <p:spPr bwMode="auto">
           <a:xfrm>
-            <a:off x="24917400" y="15184529"/>
-            <a:ext cx="7372350" cy="1004662"/>
+            <a:off x="24872565" y="15156437"/>
+            <a:ext cx="7372350" cy="896940"/>
           </a:xfrm>
           <a:prstGeom prst="rect">
             <a:avLst/>
@@ -1824,7 +1750,7 @@
               </a:spcBef>
             </a:pPr>
             <a:r>
-              <a:rPr lang="en-US" b="1" dirty="0"/>
+              <a:rPr lang="en-US" sz="5400" b="1" dirty="0"/>
               <a:t>Conclusions</a:t>
             </a:r>
           </a:p>
@@ -1912,7 +1838,7 @@
         </p:nvSpPr>
         <p:spPr bwMode="auto">
           <a:xfrm>
-            <a:off x="5631875" y="601040"/>
+            <a:off x="5631875" y="498858"/>
             <a:ext cx="22283878" cy="4082428"/>
           </a:xfrm>
           <a:prstGeom prst="rect">
@@ -1942,37 +1868,19 @@
               <a:rPr lang="en-US" sz="5400" b="1" dirty="0" smtClean="0">
                 <a:latin typeface="Cambria" pitchFamily="18" charset="0"/>
               </a:rPr>
-              <a:t>Rotation </a:t>
+              <a:t>Rotation Curve Modeler </a:t>
+            </a:r>
+            <a:r>
+              <a:rPr lang="en-US" sz="5400" dirty="0" smtClean="0">
+                <a:latin typeface="Cambria" pitchFamily="18" charset="0"/>
+              </a:rPr>
+              <a:t>&amp; </a:t>
             </a:r>
             <a:r>
               <a:rPr lang="en-US" sz="5400" b="1" dirty="0" smtClean="0">
                 <a:latin typeface="Cambria" pitchFamily="18" charset="0"/>
               </a:rPr>
-              <a:t>Curve Modeler </a:t>
-            </a:r>
-            <a:r>
-              <a:rPr lang="en-US" sz="5400" dirty="0" smtClean="0">
-                <a:latin typeface="Cambria" pitchFamily="18" charset="0"/>
-              </a:rPr>
-              <a:t>&amp; </a:t>
-            </a:r>
-            <a:r>
-              <a:rPr lang="en-US" sz="5400" b="1" dirty="0" smtClean="0">
-                <a:latin typeface="Cambria" pitchFamily="18" charset="0"/>
-              </a:rPr>
-              <a:t>Scholarly </a:t>
-            </a:r>
-            <a:r>
-              <a:rPr lang="en-US" sz="5400" b="1" dirty="0" smtClean="0">
-                <a:latin typeface="Cambria" pitchFamily="18" charset="0"/>
-              </a:rPr>
-              <a:t>Observed Celestial </a:t>
-            </a:r>
-            <a:r>
-              <a:rPr lang="en-US" sz="5400" b="1" dirty="0" smtClean="0">
-                <a:latin typeface="Cambria" pitchFamily="18" charset="0"/>
-              </a:rPr>
-              <a:t>Measurements</a:t>
+              <a:t>Scholarly Observed Celestial Measurements</a:t>
             </a:r>
           </a:p>
           <a:p>
@@ -1987,9 +1895,6 @@
               </a:rPr>
               <a:t>For Arbitrary Galaxies</a:t>
             </a:r>
-            <a:endParaRPr lang="en-US" sz="5400" b="1" dirty="0" smtClean="0">
-              <a:latin typeface="Cambria" pitchFamily="18" charset="0"/>
-            </a:endParaRPr>
           </a:p>
           <a:p>
             <a:pPr defTabSz="3134937"/>
@@ -2005,9 +1910,6 @@
               </a:rPr>
               <a:t>Robert Moss, Alex Clement, Patrick McGee, David Miller </a:t>
             </a:r>
-            <a:endParaRPr lang="en-US" sz="3200" dirty="0" smtClean="0">
-              <a:latin typeface="Cambria" pitchFamily="18" charset="0"/>
-            </a:endParaRPr>
           </a:p>
           <a:p>
             <a:pPr defTabSz="3134937"/>
@@ -2021,23 +1923,8 @@
               <a:rPr lang="en-US" sz="3200" dirty="0" smtClean="0">
                 <a:latin typeface="Cambria" pitchFamily="18" charset="0"/>
               </a:rPr>
-              <a:t>O’Brien, </a:t>
-            </a:r>
-            <a:r>
-              <a:rPr lang="en-US" sz="3200" dirty="0" smtClean="0">
-                <a:latin typeface="Cambria" pitchFamily="18" charset="0"/>
-              </a:rPr>
-              <a:t>Professor Lisa MacLean, and Professor Mohammed </a:t>
-            </a:r>
-            <a:r>
-              <a:rPr lang="en-US" sz="3200" dirty="0" err="1" smtClean="0">
-                <a:latin typeface="Cambria" pitchFamily="18" charset="0"/>
-              </a:rPr>
-              <a:t>Anwaruddin</a:t>
-            </a:r>
-            <a:endParaRPr lang="en-US" sz="3200" dirty="0" smtClean="0">
-              <a:latin typeface="Cambria" pitchFamily="18" charset="0"/>
-            </a:endParaRPr>
+              <a:t>O’Brien, Lisa MacLean, and Mohammed Anwaruddin</a:t>
+            </a:r>
           </a:p>
           <a:p>
             <a:pPr defTabSz="3134937"/>
@@ -2057,13 +1944,7 @@
               <a:rPr lang="en-US" sz="2800" i="1" dirty="0" smtClean="0">
                 <a:latin typeface="Cambria" pitchFamily="18" charset="0"/>
               </a:rPr>
-              <a:t>Technology | College </a:t>
-            </a:r>
-            <a:r>
-              <a:rPr lang="en-US" sz="2800" i="1" dirty="0" smtClean="0">
-                <a:latin typeface="Cambria" pitchFamily="18" charset="0"/>
-              </a:rPr>
-              <a:t>of Engineering &amp; Technology, Department of Computer Science &amp; Networking</a:t>
+              <a:t>Technology | College of Engineering &amp; Technology, Department of Computer Science &amp; Networking</a:t>
             </a:r>
           </a:p>
           <a:p>
@@ -2084,7 +1965,7 @@
         </p:nvSpPr>
         <p:spPr bwMode="auto">
           <a:xfrm>
-            <a:off x="8532884" y="11062804"/>
+            <a:off x="8532884" y="11092244"/>
             <a:ext cx="7866314" cy="804608"/>
           </a:xfrm>
           <a:prstGeom prst="rect">
@@ -2127,7 +2008,7 @@
         </p:nvSpPr>
         <p:spPr bwMode="auto">
           <a:xfrm>
-            <a:off x="16861644" y="4364567"/>
+            <a:off x="16847889" y="4364567"/>
             <a:ext cx="7137798" cy="804608"/>
           </a:xfrm>
           <a:prstGeom prst="rect">
@@ -2158,49 +2039,6 @@
               <a:t>Rotation Curve Modeler</a:t>
             </a:r>
             <a:endParaRPr lang="en-US" sz="4800" b="1" dirty="0"/>
-          </a:p>
-        </p:txBody>
-      </p:sp>
-      <p:sp>
-        <p:nvSpPr>
-          <p:cNvPr id="2075" name="Text Box 27"/>
-          <p:cNvSpPr txBox="1">
-            <a:spLocks noChangeArrowheads="1"/>
-          </p:cNvSpPr>
-          <p:nvPr/>
-        </p:nvSpPr>
-        <p:spPr bwMode="auto">
-          <a:xfrm>
-            <a:off x="25151746" y="20031162"/>
-            <a:ext cx="6229350" cy="435276"/>
-          </a:xfrm>
-          <a:prstGeom prst="rect">
-            <a:avLst/>
-          </a:prstGeom>
-          <a:noFill/>
-          <a:ln w="9525">
-            <a:noFill/>
-            <a:miter lim="800000"/>
-            <a:headEnd/>
-            <a:tailEnd/>
-          </a:ln>
-          <a:effectLst/>
-        </p:spPr>
-        <p:txBody>
-          <a:bodyPr lIns="65306" tIns="32653" rIns="65306" bIns="32653">
-            <a:spAutoFit/>
-          </a:bodyPr>
-          <a:lstStyle/>
-          <a:p>
-            <a:pPr defTabSz="3134937">
-              <a:spcBef>
-                <a:spcPct val="50000"/>
-              </a:spcBef>
-            </a:pPr>
-            <a:r>
-              <a:rPr lang="en-US" sz="2400" dirty="0"/>
-              <a:t>Bibliography</a:t>
-            </a:r>
           </a:p>
         </p:txBody>
       </p:sp>
@@ -2250,7 +2088,25 @@
               <a:rPr lang="en-US" sz="2000" dirty="0" smtClean="0">
                 <a:latin typeface="Times New Roman" pitchFamily="18" charset="0"/>
               </a:rPr>
-              <a:t>was built as a Ruby on Rails application with a PostgreSQL relational database and Twitter bootstrap for webpage views. The website consists of a landing page, pages for the galaxies, citations, and developer information, as well as pages for administrative functions.</a:t>
+              <a:t>is </a:t>
+            </a:r>
+            <a:r>
+              <a:rPr lang="en-US" sz="2000" dirty="0" smtClean="0">
+                <a:latin typeface="Times New Roman" pitchFamily="18" charset="0"/>
+              </a:rPr>
+              <a:t>a Ruby on Rails application with a PostgreSQL relational database </a:t>
+            </a:r>
+            <a:r>
+              <a:rPr lang="en-US" sz="2000" dirty="0" smtClean="0">
+                <a:latin typeface="Times New Roman" pitchFamily="18" charset="0"/>
+              </a:rPr>
+              <a:t>utilizing Twitter </a:t>
+            </a:r>
+            <a:r>
+              <a:rPr lang="en-US" sz="2000" dirty="0" smtClean="0">
+                <a:latin typeface="Times New Roman" pitchFamily="18" charset="0"/>
+              </a:rPr>
+              <a:t>bootstrap for webpage views. The website consists of a landing page, pages for the galaxies, citations, and developer information, as well as pages for administrative functions.</a:t>
             </a:r>
           </a:p>
           <a:p>
@@ -2269,31 +2125,7 @@
               <a:rPr lang="en-US" sz="2000" dirty="0" smtClean="0">
                 <a:latin typeface="Times New Roman" pitchFamily="18" charset="0"/>
               </a:rPr>
-              <a:t>The galaxies page consists of a paginated table containing the relevant higher-level information of galaxies, including their relative distance from the sun, luminosity, </a:t>
-            </a:r>
-            <a:r>
-              <a:rPr lang="en-US" sz="2000" dirty="0" smtClean="0">
-                <a:latin typeface="Times New Roman" pitchFamily="18" charset="0"/>
-              </a:rPr>
-              <a:t>scale radius</a:t>
-            </a:r>
-            <a:r>
-              <a:rPr lang="en-US" sz="2000" dirty="0" smtClean="0">
-                <a:latin typeface="Times New Roman" pitchFamily="18" charset="0"/>
-              </a:rPr>
-              <a:t>, </a:t>
-            </a:r>
-            <a:r>
-              <a:rPr lang="en-US" sz="2000" dirty="0" smtClean="0">
-                <a:latin typeface="Times New Roman" pitchFamily="18" charset="0"/>
-              </a:rPr>
-              <a:t>mass of the disk, and </a:t>
-            </a:r>
-            <a:r>
-              <a:rPr lang="en-US" sz="2000" dirty="0" smtClean="0">
-                <a:latin typeface="Times New Roman" pitchFamily="18" charset="0"/>
-              </a:rPr>
-              <a:t>more. Selecting one of these tables allows users to view the collected velocity measurements of stars for this galaxy, including respective distances from the center of the galaxy, the observed rotation speed, and the calculated errors of these measurements. The citations page lists the papers from which these measurements are referenced.</a:t>
+              <a:t>The galaxies page consists of a paginated table containing the relevant higher-level information of galaxies, including their relative distance from our sun, luminosity, scale radius, mass of the disk, and more. Selecting one of these tables allows users to view the collected velocity measurements of stars for this galaxy, including respective distances from the center of the galaxy, the observed rotation velocity, and the calculated errors of these measurements. The citations page lists the papers from which these measurements are referenced.</a:t>
             </a:r>
           </a:p>
           <a:p>
@@ -2309,28 +2141,10 @@
               <a:t>	</a:t>
             </a:r>
             <a:r>
-              <a:rPr lang="en-US" sz="2000" dirty="0" err="1" smtClean="0">
-                <a:latin typeface="Times New Roman" pitchFamily="18" charset="0"/>
-              </a:rPr>
-              <a:t>RoCM</a:t>
-            </a:r>
-            <a:r>
-              <a:rPr lang="en-US" sz="2000" dirty="0" smtClean="0">
-                <a:latin typeface="Times New Roman" pitchFamily="18" charset="0"/>
-              </a:rPr>
-              <a:t> and </a:t>
-            </a:r>
-            <a:r>
-              <a:rPr lang="en-US" sz="2000" dirty="0" err="1" smtClean="0">
-                <a:latin typeface="Times New Roman" pitchFamily="18" charset="0"/>
-              </a:rPr>
-              <a:t>RoCS</a:t>
-            </a:r>
-            <a:r>
-              <a:rPr lang="en-US" sz="2000" dirty="0" smtClean="0">
-                <a:latin typeface="Times New Roman" pitchFamily="18" charset="0"/>
-              </a:rPr>
-              <a:t> utilize the API provided by SOCM, querying for these high-level galaxy parameters and the galaxies’ constituent velocity measurements. Responses from the API come in the form of JSON (JavaScript Object Notation) objects, which can be parsed and utilized for application purposes.</a:t>
+              <a:rPr lang="en-US" sz="2000" dirty="0" smtClean="0">
+                <a:latin typeface="Times New Roman" pitchFamily="18" charset="0"/>
+              </a:rPr>
+              <a:t>RoCM and RoCS utilize the API provided by SOCM, querying for these high-level galaxy parameters and the galaxies’ constituent velocity measurements. Responses from the API come in the form of JSON (JavaScript Object Notation) objects, which can be parsed and utilized for application purposes.</a:t>
             </a:r>
             <a:endParaRPr lang="en-US" sz="1400" dirty="0">
               <a:latin typeface="Times New Roman" pitchFamily="18" charset="0"/>
@@ -2348,8 +2162,8 @@
         </p:nvSpPr>
         <p:spPr bwMode="auto">
           <a:xfrm>
-            <a:off x="25056703" y="20248800"/>
-            <a:ext cx="6890147" cy="921276"/>
+            <a:off x="25056703" y="20531454"/>
+            <a:ext cx="6890147" cy="745843"/>
           </a:xfrm>
           <a:prstGeom prst="rect">
             <a:avLst/>
@@ -2374,7 +2188,7 @@
                 <a:spcPct val="95000"/>
               </a:lnSpc>
             </a:pPr>
-            <a:endParaRPr lang="en-US" sz="2000" u="sng" dirty="0">
+            <a:endParaRPr lang="en-US" sz="1600" u="sng" dirty="0">
               <a:latin typeface="Times New Roman" pitchFamily="18" charset="0"/>
             </a:endParaRPr>
           </a:p>
@@ -2387,60 +2201,60 @@
               <a:buAutoNum type="arabicPeriod"/>
             </a:pPr>
             <a:r>
-              <a:rPr lang="en-US" sz="2000" dirty="0" err="1" smtClean="0">
+              <a:rPr lang="en-US" sz="1600" dirty="0" err="1" smtClean="0">
                 <a:latin typeface="Times New Roman" pitchFamily="18" charset="0"/>
               </a:rPr>
               <a:t>Bostock</a:t>
             </a:r>
             <a:r>
-              <a:rPr lang="en-US" sz="2000" dirty="0" smtClean="0">
+              <a:rPr lang="en-US" sz="1600" dirty="0" smtClean="0">
                 <a:latin typeface="Times New Roman" pitchFamily="18" charset="0"/>
               </a:rPr>
               <a:t>, Mike; “Data-Driven </a:t>
             </a:r>
             <a:r>
-              <a:rPr lang="en-US" sz="2000" dirty="0">
+              <a:rPr lang="en-US" sz="1600" dirty="0">
                 <a:latin typeface="Times New Roman" pitchFamily="18" charset="0"/>
               </a:rPr>
               <a:t>Documents”; </a:t>
             </a:r>
             <a:r>
-              <a:rPr lang="en-US" sz="2000" dirty="0" smtClean="0">
+              <a:rPr lang="en-US" sz="1600" dirty="0" smtClean="0">
                 <a:latin typeface="Times New Roman" pitchFamily="18" charset="0"/>
               </a:rPr>
               <a:t>Last updated: 2013; Last </a:t>
             </a:r>
             <a:r>
-              <a:rPr lang="en-US" sz="2000" dirty="0" err="1">
+              <a:rPr lang="en-US" sz="1600" dirty="0" err="1">
                 <a:latin typeface="Times New Roman" pitchFamily="18" charset="0"/>
               </a:rPr>
               <a:t>v</a:t>
             </a:r>
             <a:r>
-              <a:rPr lang="en-US" sz="2000" dirty="0" err="1" smtClean="0">
+              <a:rPr lang="en-US" sz="1600" dirty="0" err="1" smtClean="0">
                 <a:latin typeface="Times New Roman" pitchFamily="18" charset="0"/>
               </a:rPr>
               <a:t>isisted</a:t>
             </a:r>
             <a:r>
-              <a:rPr lang="en-US" sz="2000" dirty="0" smtClean="0">
+              <a:rPr lang="en-US" sz="1600" dirty="0" smtClean="0">
                 <a:latin typeface="Times New Roman" pitchFamily="18" charset="0"/>
               </a:rPr>
               <a:t>: July 28, 2014; http</a:t>
             </a:r>
             <a:r>
-              <a:rPr lang="en-US" sz="2000" dirty="0">
+              <a:rPr lang="en-US" sz="1600" dirty="0">
                 <a:latin typeface="Times New Roman" pitchFamily="18" charset="0"/>
               </a:rPr>
               <a:t>://d3js.org</a:t>
             </a:r>
             <a:r>
-              <a:rPr lang="en-US" sz="2000" dirty="0" smtClean="0">
+              <a:rPr lang="en-US" sz="1600" dirty="0" smtClean="0">
                 <a:latin typeface="Times New Roman" pitchFamily="18" charset="0"/>
               </a:rPr>
               <a:t>/</a:t>
             </a:r>
-            <a:endParaRPr lang="en-US" sz="2000" dirty="0">
+            <a:endParaRPr lang="en-US" sz="1600" dirty="0">
               <a:latin typeface="Times New Roman" pitchFamily="18" charset="0"/>
             </a:endParaRPr>
           </a:p>
@@ -2456,8 +2270,8 @@
         </p:nvSpPr>
         <p:spPr bwMode="auto">
           <a:xfrm>
-            <a:off x="24879299" y="16285430"/>
-            <a:ext cx="7267575" cy="3552765"/>
+            <a:off x="24857459" y="16162880"/>
+            <a:ext cx="7320781" cy="4429929"/>
           </a:xfrm>
           <a:prstGeom prst="rect">
             <a:avLst/>
@@ -2472,7 +2286,7 @@
           <a:effectLst/>
         </p:spPr>
         <p:txBody>
-          <a:bodyPr lIns="43688" tIns="21843" rIns="43688" bIns="21843">
+          <a:bodyPr wrap="square" lIns="43688" tIns="21843" rIns="43688" bIns="21843">
             <a:spAutoFit/>
           </a:bodyPr>
           <a:lstStyle/>
@@ -2498,55 +2312,7 @@
               <a:rPr lang="en-US" sz="2000" dirty="0" smtClean="0">
                 <a:latin typeface="Times New Roman" pitchFamily="18" charset="0"/>
               </a:rPr>
-              <a:t>his </a:t>
-            </a:r>
-            <a:r>
-              <a:rPr lang="en-US" sz="2000" dirty="0" smtClean="0">
-                <a:latin typeface="Times New Roman" pitchFamily="18" charset="0"/>
-              </a:rPr>
-              <a:t>project </a:t>
-            </a:r>
-            <a:r>
-              <a:rPr lang="en-US" sz="2000" dirty="0" smtClean="0">
-                <a:latin typeface="Times New Roman" pitchFamily="18" charset="0"/>
-              </a:rPr>
-              <a:t>was a success thanks to the mind of Dr. James G. O’Brien. His work on the rotation curve proble</a:t>
-            </a:r>
-            <a:r>
-              <a:rPr lang="en-US" sz="2000" dirty="0" smtClean="0">
-                <a:latin typeface="Times New Roman" pitchFamily="18" charset="0"/>
-              </a:rPr>
-              <a:t>m and conformal gravity helped influence the outcome of the project. The</a:t>
-            </a:r>
-            <a:r>
-              <a:rPr lang="en-US" sz="2000" dirty="0" smtClean="0">
-                <a:latin typeface="Times New Roman" pitchFamily="18" charset="0"/>
-              </a:rPr>
-              <a:t> hope is astronomers will upload observed galaxy data to SOCM and </a:t>
-            </a:r>
-            <a:r>
-              <a:rPr lang="en-US" sz="2000" dirty="0" err="1" smtClean="0">
-                <a:latin typeface="Times New Roman" pitchFamily="18" charset="0"/>
-              </a:rPr>
-              <a:t>astrophysisists</a:t>
-            </a:r>
-            <a:r>
-              <a:rPr lang="en-US" sz="2000" dirty="0" smtClean="0">
-                <a:latin typeface="Times New Roman" pitchFamily="18" charset="0"/>
-              </a:rPr>
-              <a:t> will use RoCM to testing </a:t>
-            </a:r>
-            <a:r>
-              <a:rPr lang="en-US" sz="2000" dirty="0" err="1" smtClean="0">
-                <a:latin typeface="Times New Roman" pitchFamily="18" charset="0"/>
-              </a:rPr>
-              <a:t>existsing</a:t>
-            </a:r>
-            <a:r>
-              <a:rPr lang="en-US" sz="2000" dirty="0" smtClean="0">
-                <a:latin typeface="Times New Roman" pitchFamily="18" charset="0"/>
-              </a:rPr>
-              <a:t> and future galactic models to finally understand the dynamics of these giant collection of stars.</a:t>
+              <a:t>his project was a success thanks to the mind of Dr. James G. O’Brien. His work on the rotation curve problem and conformal gravity helped influence the outcome of the project. The hope is astronomers will upload observed galaxy data to SOCM and astrophysicists will use RoCM to testing existing and future galactic models to finally understand the dynamics of these giant collection of stars.</a:t>
             </a:r>
           </a:p>
           <a:p>
@@ -2565,39 +2331,51 @@
               <a:rPr lang="en-US" sz="2000" dirty="0" smtClean="0">
                 <a:latin typeface="Times New Roman" pitchFamily="18" charset="0"/>
               </a:rPr>
-              <a:t> We </a:t>
-            </a:r>
-            <a:r>
-              <a:rPr lang="en-US" sz="2000" dirty="0" smtClean="0">
-                <a:latin typeface="Times New Roman" pitchFamily="18" charset="0"/>
-              </a:rPr>
-              <a:t>are pleased to announce that SOCM is open to the public at </a:t>
-            </a:r>
-            <a:r>
-              <a:rPr lang="en-US" sz="2000" dirty="0" smtClean="0">
-                <a:latin typeface="Times New Roman" pitchFamily="18" charset="0"/>
-              </a:rPr>
-              <a:t>socm.heroku.com</a:t>
-            </a:r>
-            <a:r>
-              <a:rPr lang="en-US" sz="2000" dirty="0" smtClean="0">
-                <a:latin typeface="Times New Roman" pitchFamily="18" charset="0"/>
-              </a:rPr>
-              <a:t>, where users can now view our database of collected measurements and developers may use our API endpoints to use in their own endeavors. RoCM, to be hosted at RotationCurve.org, should be </a:t>
+              <a:t> We are pleased to announce that SOCM is open to the public at </a:t>
+            </a:r>
+            <a:r>
+              <a:rPr lang="en-US" sz="2000" dirty="0" smtClean="0">
+                <a:latin typeface="Times New Roman" pitchFamily="18" charset="0"/>
+              </a:rPr>
+              <a:t>socm.herokuapp.com</a:t>
+            </a:r>
+            <a:r>
+              <a:rPr lang="en-US" sz="2000" dirty="0" smtClean="0">
+                <a:latin typeface="Times New Roman" pitchFamily="18" charset="0"/>
+              </a:rPr>
+              <a:t>, where users can now view our database of collected measurements and developers may use our API endpoints to use in their own endeavors. RoCM is hosted </a:t>
             </a:r>
             <a:r>
               <a:rPr lang="en-US" sz="2000" smtClean="0">
                 <a:latin typeface="Times New Roman" pitchFamily="18" charset="0"/>
               </a:rPr>
-              <a:t>available </a:t>
+              <a:t>at </a:t>
             </a:r>
             <a:r>
               <a:rPr lang="en-US" sz="2000" smtClean="0">
                 <a:latin typeface="Times New Roman" pitchFamily="18" charset="0"/>
               </a:rPr>
-              <a:t>shortly.</a:t>
-            </a:r>
-            <a:endParaRPr lang="en-US" sz="1400" dirty="0">
+              <a:t>rotationcurve.herokuapp.com </a:t>
+            </a:r>
+            <a:r>
+              <a:rPr lang="en-US" sz="2000" dirty="0" smtClean="0">
+                <a:latin typeface="Times New Roman" pitchFamily="18" charset="0"/>
+              </a:rPr>
+              <a:t>and will be shortly moved to rotationcurve.wit.edu / rotationcurve.org. Each project is a contribution to the open source community and can </a:t>
+            </a:r>
+            <a:r>
+              <a:rPr lang="en-US" sz="2000" dirty="0">
+                <a:latin typeface="Times New Roman" pitchFamily="18" charset="0"/>
+              </a:rPr>
+              <a:t>be found here: </a:t>
+            </a:r>
+            <a:r>
+              <a:rPr lang="en-US" sz="2000" u="sng" dirty="0">
+                <a:latin typeface="Times New Roman" pitchFamily="18" charset="0"/>
+              </a:rPr>
+              <a:t>https://github.com/RoCMSOCM</a:t>
+            </a:r>
+            <a:endParaRPr lang="en-US" sz="1400" u="sng" dirty="0">
               <a:latin typeface="Times New Roman" pitchFamily="18" charset="0"/>
             </a:endParaRPr>
           </a:p>
@@ -2613,8 +2391,8 @@
         </p:nvSpPr>
         <p:spPr bwMode="auto">
           <a:xfrm>
-            <a:off x="624814" y="4221130"/>
-            <a:ext cx="7372350" cy="1004662"/>
+            <a:off x="624814" y="4323478"/>
+            <a:ext cx="7372350" cy="896940"/>
           </a:xfrm>
           <a:prstGeom prst="rect">
             <a:avLst/>
@@ -2635,13 +2413,13 @@
           <a:lstStyle/>
           <a:p>
             <a:r>
-              <a:rPr lang="en-US" b="1" dirty="0" smtClean="0">
+              <a:rPr lang="en-US" sz="5400" b="1" dirty="0" smtClean="0">
                 <a:latin typeface="+mj-lt"/>
                 <a:cs typeface="Times New Roman" pitchFamily="18" charset="0"/>
               </a:rPr>
               <a:t>Introduction</a:t>
             </a:r>
-            <a:endParaRPr lang="en-US" sz="3100" dirty="0">
+            <a:endParaRPr lang="en-US" sz="2400" dirty="0">
               <a:latin typeface="+mj-lt"/>
               <a:cs typeface="Times New Roman" pitchFamily="18" charset="0"/>
             </a:endParaRPr>
@@ -2691,8 +2469,8 @@
         </p:nvSpPr>
         <p:spPr bwMode="auto">
           <a:xfrm>
-            <a:off x="16800909" y="15903329"/>
-            <a:ext cx="7334250" cy="5298145"/>
+            <a:off x="16800908" y="15745466"/>
+            <a:ext cx="7334250" cy="5605922"/>
           </a:xfrm>
           <a:prstGeom prst="rect">
             <a:avLst/>
@@ -2732,42 +2510,63 @@
                 <a:latin typeface="Times New Roman" pitchFamily="18" charset="0"/>
                 <a:cs typeface="Times New Roman" pitchFamily="18" charset="0"/>
               </a:rPr>
-              <a:t> was also built as a Ruby on Rails application, along with a number of JavaScript libraries and our SOCM application as its database. The single-page website consists of the following: quick-reference table of SOCM (to select galaxies to plot), a table of sliders to manipulate values calculated from </a:t>
+              <a:t> </a:t>
             </a:r>
             <a:r>
               <a:rPr lang="en-US" sz="2000" dirty="0" smtClean="0">
                 <a:latin typeface="Times New Roman" pitchFamily="18" charset="0"/>
                 <a:cs typeface="Times New Roman" pitchFamily="18" charset="0"/>
               </a:rPr>
-              <a:t>galactic </a:t>
+              <a:t>is also </a:t>
             </a:r>
             <a:r>
               <a:rPr lang="en-US" sz="2000" dirty="0" smtClean="0">
                 <a:latin typeface="Times New Roman" pitchFamily="18" charset="0"/>
                 <a:cs typeface="Times New Roman" pitchFamily="18" charset="0"/>
               </a:rPr>
-              <a:t>models (for </a:t>
+              <a:t>a Ruby on Rails </a:t>
             </a:r>
             <a:r>
               <a:rPr lang="en-US" sz="2000" dirty="0" smtClean="0">
                 <a:latin typeface="Times New Roman" pitchFamily="18" charset="0"/>
                 <a:cs typeface="Times New Roman" pitchFamily="18" charset="0"/>
               </a:rPr>
-              <a:t>parameter fitting purposes</a:t>
+              <a:t>application utilizing various </a:t>
             </a:r>
             <a:r>
               <a:rPr lang="en-US" sz="2000" dirty="0" smtClean="0">
                 <a:latin typeface="Times New Roman" pitchFamily="18" charset="0"/>
                 <a:cs typeface="Times New Roman" pitchFamily="18" charset="0"/>
               </a:rPr>
-              <a:t>), a </a:t>
+              <a:t>JavaScript </a:t>
             </a:r>
             <a:r>
               <a:rPr lang="en-US" sz="2000" dirty="0" smtClean="0">
                 <a:latin typeface="Times New Roman" pitchFamily="18" charset="0"/>
                 <a:cs typeface="Times New Roman" pitchFamily="18" charset="0"/>
               </a:rPr>
-              <a:t>rotation </a:t>
+              <a:t>libraries </a:t>
+            </a:r>
+            <a:r>
+              <a:rPr lang="en-US" sz="2000" dirty="0" smtClean="0">
+                <a:latin typeface="Times New Roman" pitchFamily="18" charset="0"/>
+                <a:cs typeface="Times New Roman" pitchFamily="18" charset="0"/>
+              </a:rPr>
+              <a:t>and </a:t>
+            </a:r>
+            <a:r>
+              <a:rPr lang="en-US" sz="2000" dirty="0" smtClean="0">
+                <a:latin typeface="Times New Roman" pitchFamily="18" charset="0"/>
+                <a:cs typeface="Times New Roman" pitchFamily="18" charset="0"/>
+              </a:rPr>
+              <a:t> uses SOCM as its service layer. </a:t>
+            </a:r>
+            <a:r>
+              <a:rPr lang="en-US" sz="2000" dirty="0" smtClean="0">
+                <a:latin typeface="Times New Roman" pitchFamily="18" charset="0"/>
+                <a:cs typeface="Times New Roman" pitchFamily="18" charset="0"/>
+              </a:rPr>
+              <a:t>The single-page website consists of the following: quick-reference table of SOCM (to select galaxies to plot), a table of sliders to manipulate values calculated from galactic models (for parameter fitting purposes), a rotation </a:t>
             </a:r>
             <a:r>
               <a:rPr lang="en-US" sz="2000" dirty="0">
@@ -2781,136 +2580,73 @@
                 <a:latin typeface="Times New Roman" pitchFamily="18" charset="0"/>
                 <a:cs typeface="Times New Roman" pitchFamily="18" charset="0"/>
               </a:rPr>
-              <a:t>elocity over </a:t>
+              <a:t>elocity over galactocentric distance graph to plot models against collected data, a button to save the graph as an SVG (Scalable Vector Graphic), a button to send the selected model to RoCS, a section for users to import their own models to use on the graph, and a section for users to import their models in </a:t>
             </a:r>
             <a:r>
               <a:rPr lang="en-US" sz="2000" dirty="0" err="1" smtClean="0">
                 <a:latin typeface="Times New Roman" pitchFamily="18" charset="0"/>
                 <a:cs typeface="Times New Roman" pitchFamily="18" charset="0"/>
               </a:rPr>
-              <a:t>galactocentric</a:t>
+              <a:t>LaTeX</a:t>
             </a:r>
             <a:r>
               <a:rPr lang="en-US" sz="2000" dirty="0" smtClean="0">
                 <a:latin typeface="Times New Roman" pitchFamily="18" charset="0"/>
                 <a:cs typeface="Times New Roman" pitchFamily="18" charset="0"/>
               </a:rPr>
-              <a:t> </a:t>
-            </a:r>
+              <a:t> format. These tools all contribute to the powerful functionality we’ve provided in RoCM.</a:t>
+            </a:r>
+          </a:p>
+          <a:p>
+            <a:pPr algn="l"/>
             <a:r>
               <a:rPr lang="en-US" sz="2000" dirty="0" smtClean="0">
                 <a:latin typeface="Times New Roman" pitchFamily="18" charset="0"/>
                 <a:cs typeface="Times New Roman" pitchFamily="18" charset="0"/>
               </a:rPr>
-              <a:t>distance graph to plot models against collected data, a button to save the graph, a button to send the selected model to </a:t>
-            </a:r>
-            <a:r>
-              <a:rPr lang="en-US" sz="2000" dirty="0" err="1" smtClean="0">
+              <a:t>       Much of the heavy-lifting on the site is performed by D3, a JavaScript library for </a:t>
+            </a:r>
+            <a:r>
+              <a:rPr lang="en-US" sz="2000" dirty="0">
                 <a:latin typeface="Times New Roman" pitchFamily="18" charset="0"/>
                 <a:cs typeface="Times New Roman" pitchFamily="18" charset="0"/>
               </a:rPr>
-              <a:t>RoCS</a:t>
+              <a:t>“manipulating documents based on </a:t>
             </a:r>
             <a:r>
               <a:rPr lang="en-US" sz="2000" dirty="0" smtClean="0">
                 <a:latin typeface="Times New Roman" pitchFamily="18" charset="0"/>
                 <a:cs typeface="Times New Roman" pitchFamily="18" charset="0"/>
               </a:rPr>
-              <a:t>, a section for users to import their own models to use on the graph, and a section for users to import their models in </a:t>
-            </a:r>
-            <a:r>
-              <a:rPr lang="en-US" sz="2000" dirty="0" err="1" smtClean="0">
+              <a:t>data.” </a:t>
+            </a:r>
+            <a:r>
+              <a:rPr lang="en-US" sz="2000" baseline="30000" dirty="0" smtClean="0">
                 <a:latin typeface="Times New Roman" pitchFamily="18" charset="0"/>
                 <a:cs typeface="Times New Roman" pitchFamily="18" charset="0"/>
               </a:rPr>
-              <a:t>LaTeX</a:t>
+              <a:t>[1]</a:t>
             </a:r>
             <a:r>
               <a:rPr lang="en-US" sz="2000" dirty="0" smtClean="0">
                 <a:latin typeface="Times New Roman" pitchFamily="18" charset="0"/>
                 <a:cs typeface="Times New Roman" pitchFamily="18" charset="0"/>
               </a:rPr>
-              <a:t> format. These tools all contribute to the powerful functionality we’ve provided in </a:t>
-            </a:r>
-            <a:r>
-              <a:rPr lang="en-US" sz="2000" dirty="0" err="1" smtClean="0">
+              <a:t> Our application uses asynchronous JavaScript calls (or </a:t>
+            </a:r>
+            <a:r>
+              <a:rPr lang="en-US" sz="2000" i="1" dirty="0" smtClean="0">
                 <a:latin typeface="Times New Roman" pitchFamily="18" charset="0"/>
                 <a:cs typeface="Times New Roman" pitchFamily="18" charset="0"/>
               </a:rPr>
-              <a:t>RoCM</a:t>
+              <a:t>AJAX calls</a:t>
             </a:r>
             <a:r>
               <a:rPr lang="en-US" sz="2000" dirty="0" smtClean="0">
                 <a:latin typeface="Times New Roman" pitchFamily="18" charset="0"/>
                 <a:cs typeface="Times New Roman" pitchFamily="18" charset="0"/>
               </a:rPr>
-              <a:t>.</a:t>
-            </a:r>
-          </a:p>
-          <a:p>
-            <a:pPr algn="l"/>
-            <a:r>
-              <a:rPr lang="en-US" sz="2000" dirty="0" smtClean="0">
-                <a:latin typeface="Times New Roman" pitchFamily="18" charset="0"/>
-                <a:cs typeface="Times New Roman" pitchFamily="18" charset="0"/>
-              </a:rPr>
-              <a:t>       Much of the heavy-lifting on the site is performed by D3, a JavaScript library for </a:t>
-            </a:r>
-            <a:r>
-              <a:rPr lang="en-US" sz="2000" dirty="0">
-                <a:latin typeface="Times New Roman" pitchFamily="18" charset="0"/>
-                <a:cs typeface="Times New Roman" pitchFamily="18" charset="0"/>
-              </a:rPr>
-              <a:t>“manipulating documents based on </a:t>
-            </a:r>
-            <a:r>
-              <a:rPr lang="en-US" sz="2000" dirty="0" smtClean="0">
-                <a:latin typeface="Times New Roman" pitchFamily="18" charset="0"/>
-                <a:cs typeface="Times New Roman" pitchFamily="18" charset="0"/>
-              </a:rPr>
-              <a:t>data.” </a:t>
-            </a:r>
-            <a:r>
-              <a:rPr lang="en-US" sz="2000" baseline="30000" dirty="0" smtClean="0">
-                <a:latin typeface="Times New Roman" pitchFamily="18" charset="0"/>
-                <a:cs typeface="Times New Roman" pitchFamily="18" charset="0"/>
-              </a:rPr>
-              <a:t>[1]</a:t>
-            </a:r>
-            <a:r>
-              <a:rPr lang="en-US" sz="2000" dirty="0" smtClean="0">
-                <a:latin typeface="Times New Roman" pitchFamily="18" charset="0"/>
-                <a:cs typeface="Times New Roman" pitchFamily="18" charset="0"/>
-              </a:rPr>
-              <a:t> Our application uses asynchronous JavaScript calls (or </a:t>
-            </a:r>
-            <a:r>
-              <a:rPr lang="en-US" sz="2000" i="1" dirty="0" smtClean="0">
-                <a:latin typeface="Times New Roman" pitchFamily="18" charset="0"/>
-                <a:cs typeface="Times New Roman" pitchFamily="18" charset="0"/>
-              </a:rPr>
-              <a:t>AJAX calls</a:t>
-            </a:r>
-            <a:r>
-              <a:rPr lang="en-US" sz="2000" dirty="0" smtClean="0">
-                <a:latin typeface="Times New Roman" pitchFamily="18" charset="0"/>
-                <a:cs typeface="Times New Roman" pitchFamily="18" charset="0"/>
-              </a:rPr>
-              <a:t>) to pull data from SOCM. The D3 library then helps us translate and manipulate that data to create the rich graphs and tables provided in </a:t>
-            </a:r>
-            <a:r>
-              <a:rPr lang="en-US" sz="2000" dirty="0" err="1" smtClean="0">
-                <a:latin typeface="Times New Roman" pitchFamily="18" charset="0"/>
-                <a:cs typeface="Times New Roman" pitchFamily="18" charset="0"/>
-              </a:rPr>
-              <a:t>RoCM</a:t>
-            </a:r>
-            <a:r>
-              <a:rPr lang="en-US" sz="2000" dirty="0" smtClean="0">
-                <a:latin typeface="Times New Roman" pitchFamily="18" charset="0"/>
-                <a:cs typeface="Times New Roman" pitchFamily="18" charset="0"/>
-              </a:rPr>
-              <a:t>.</a:t>
+              <a:t>) to pull data from SOCM. The D3 library then helps us translate and manipulate that data to create the rich graphs and tables provided in RoCM.</a:t>
             </a:r>
             <a:endParaRPr lang="en-US" sz="2000" dirty="0">
               <a:latin typeface="Times New Roman" pitchFamily="18" charset="0"/>
@@ -2927,15 +2663,22 @@
           </p:cNvPicPr>
           <p:nvPr/>
         </p:nvPicPr>
-        <p:blipFill rotWithShape="1">
-          <a:blip r:embed="rId4"/>
-          <a:srcRect b="12991"/>
-          <a:stretch/>
+        <p:blipFill>
+          <a:blip r:embed="rId4">
+            <a:extLst>
+              <a:ext uri="{28A0092B-C50C-407E-A947-70E740481C1C}">
+                <a14:useLocalDpi xmlns:a14="http://schemas.microsoft.com/office/drawing/2010/main" val="0"/>
+              </a:ext>
+            </a:extLst>
+          </a:blip>
+          <a:stretch>
+            <a:fillRect/>
+          </a:stretch>
         </p:blipFill>
         <p:spPr>
           <a:xfrm>
-            <a:off x="8706453" y="11989034"/>
-            <a:ext cx="7352697" cy="3598638"/>
+            <a:off x="9495500" y="12062329"/>
+            <a:ext cx="5754946" cy="3598638"/>
           </a:xfrm>
           <a:prstGeom prst="rect">
             <a:avLst/>
@@ -2957,8 +2700,8 @@
         </p:nvSpPr>
         <p:spPr bwMode="auto">
           <a:xfrm>
-            <a:off x="16647982" y="14705392"/>
-            <a:ext cx="7372350" cy="1004662"/>
+            <a:off x="16647982" y="14665522"/>
+            <a:ext cx="7372350" cy="896940"/>
           </a:xfrm>
           <a:prstGeom prst="rect">
             <a:avLst/>
@@ -2984,10 +2727,10 @@
               </a:spcBef>
             </a:pPr>
             <a:r>
-              <a:rPr lang="en-US" b="1" dirty="0" smtClean="0"/>
+              <a:rPr lang="en-US" sz="5400" b="1" dirty="0" smtClean="0"/>
               <a:t>Implementation</a:t>
             </a:r>
-            <a:endParaRPr lang="en-US" b="1" dirty="0"/>
+            <a:endParaRPr lang="en-US" sz="5400" b="1" dirty="0"/>
           </a:p>
         </p:txBody>
       </p:sp>
@@ -3067,8 +2810,8 @@
         </p:blipFill>
         <p:spPr>
           <a:xfrm>
-            <a:off x="24917400" y="7660696"/>
-            <a:ext cx="7282680" cy="3380821"/>
+            <a:off x="24917400" y="7595528"/>
+            <a:ext cx="7282680" cy="3379163"/>
           </a:xfrm>
           <a:prstGeom prst="rect">
             <a:avLst/>
@@ -3127,7 +2870,7 @@
           </p:cNvPicPr>
           <p:nvPr/>
         </p:nvPicPr>
-        <p:blipFill rotWithShape="1">
+        <p:blipFill>
           <a:blip r:embed="rId7">
             <a:extLst>
               <a:ext uri="{28A0092B-C50C-407E-A947-70E740481C1C}">
@@ -3135,13 +2878,14 @@
               </a:ext>
             </a:extLst>
           </a:blip>
-          <a:srcRect b="2907"/>
-          <a:stretch/>
+          <a:stretch>
+            <a:fillRect/>
+          </a:stretch>
         </p:blipFill>
         <p:spPr>
           <a:xfrm>
-            <a:off x="8878265" y="17415743"/>
-            <a:ext cx="7064280" cy="3720956"/>
+            <a:off x="8869410" y="17621149"/>
+            <a:ext cx="7064280" cy="3449162"/>
           </a:xfrm>
           <a:prstGeom prst="rect">
             <a:avLst/>
@@ -3163,7 +2907,7 @@
         </p:nvSpPr>
         <p:spPr bwMode="auto">
           <a:xfrm>
-            <a:off x="8573801" y="15800193"/>
+            <a:off x="8573800" y="15900200"/>
             <a:ext cx="7598347" cy="1481716"/>
           </a:xfrm>
           <a:prstGeom prst="rect">
@@ -3218,7 +2962,7 @@
         </p:blipFill>
         <p:spPr>
           <a:xfrm>
-            <a:off x="25178926" y="11261700"/>
+            <a:off x="25178926" y="11143669"/>
             <a:ext cx="6722682" cy="3871881"/>
           </a:xfrm>
           <a:prstGeom prst="rect">
@@ -3248,7 +2992,7 @@
         </p:blipFill>
         <p:spPr>
           <a:xfrm>
-            <a:off x="1123776" y="17915619"/>
+            <a:off x="1156309" y="18370010"/>
             <a:ext cx="6309360" cy="2743200"/>
           </a:xfrm>
           <a:prstGeom prst="rect">
@@ -3283,7 +3027,7 @@
         </p:blipFill>
         <p:spPr>
           <a:xfrm>
-            <a:off x="1184495" y="14672543"/>
+            <a:off x="1188720" y="15332568"/>
             <a:ext cx="6309360" cy="2743200"/>
           </a:xfrm>
           <a:prstGeom prst="rect">
@@ -3434,7 +3178,7 @@
         </p:nvSpPr>
         <p:spPr bwMode="auto">
           <a:xfrm>
-            <a:off x="24834651" y="5061892"/>
+            <a:off x="24834651" y="5128035"/>
             <a:ext cx="7334250" cy="2220380"/>
           </a:xfrm>
           <a:prstGeom prst="rect">
@@ -3461,40 +3205,55 @@
                 <a:latin typeface="Times New Roman" pitchFamily="18" charset="0"/>
                 <a:cs typeface="Times New Roman" pitchFamily="18" charset="0"/>
               </a:rPr>
-              <a:t>        </a:t>
-            </a:r>
-            <a:r>
-              <a:rPr lang="en-US" sz="2000" dirty="0" err="1" smtClean="0">
-                <a:latin typeface="Times New Roman" pitchFamily="18" charset="0"/>
-                <a:cs typeface="Times New Roman" pitchFamily="18" charset="0"/>
-              </a:rPr>
-              <a:t>RoCS</a:t>
-            </a:r>
-            <a:r>
-              <a:rPr lang="en-US" sz="2000" dirty="0" smtClean="0">
-                <a:latin typeface="Times New Roman" pitchFamily="18" charset="0"/>
-                <a:cs typeface="Times New Roman" pitchFamily="18" charset="0"/>
-              </a:rPr>
-              <a:t> provides a way to visualize the spin of the galaxy in question. The user can simulate either just the observational data, or a specified model against the data. The color scale represent the relative minimum and maximum velocity for the stars around the center of the galaxy. The scale helps recognize when the rotation curve simulation of a model doesn’t match up with the observational data (see the </a:t>
-            </a:r>
-            <a:r>
-              <a:rPr lang="en-US" sz="2000" dirty="0" err="1" smtClean="0">
-                <a:latin typeface="Times New Roman" pitchFamily="18" charset="0"/>
-                <a:cs typeface="Times New Roman" pitchFamily="18" charset="0"/>
-              </a:rPr>
-              <a:t>RoCS</a:t>
-            </a:r>
-            <a:r>
-              <a:rPr lang="en-US" sz="2000" dirty="0" smtClean="0">
-                <a:latin typeface="Times New Roman" pitchFamily="18" charset="0"/>
-                <a:cs typeface="Times New Roman" pitchFamily="18" charset="0"/>
-              </a:rPr>
-              <a:t> webpage for the animation of the full rotation simulation).</a:t>
+              <a:t>        RoCS provides a way to visualize the spin of the galaxy in question. The user can simulate either just the observational data, or a specified model against the data. The color scale represent the relative minimum and maximum velocity for the stars around the center of the galaxy. The scale helps recognize when the rotation curve simulation of a model doesn’t match up with the observational data (see the RoCS webpage for the animation of the full rotation simulation).</a:t>
             </a:r>
             <a:endParaRPr lang="en-US" sz="2000" dirty="0">
               <a:latin typeface="Times New Roman" pitchFamily="18" charset="0"/>
               <a:cs typeface="Times New Roman" pitchFamily="18" charset="0"/>
             </a:endParaRPr>
+          </a:p>
+        </p:txBody>
+      </p:sp>
+      <p:sp>
+        <p:nvSpPr>
+          <p:cNvPr id="46" name="Text Box 19"/>
+          <p:cNvSpPr txBox="1">
+            <a:spLocks noChangeArrowheads="1"/>
+          </p:cNvSpPr>
+          <p:nvPr/>
+        </p:nvSpPr>
+        <p:spPr bwMode="auto">
+          <a:xfrm>
+            <a:off x="572534" y="14377828"/>
+            <a:ext cx="7598347" cy="773830"/>
+          </a:xfrm>
+          <a:prstGeom prst="rect">
+            <a:avLst/>
+          </a:prstGeom>
+          <a:noFill/>
+          <a:ln w="9525">
+            <a:noFill/>
+            <a:miter lim="800000"/>
+            <a:headEnd/>
+            <a:tailEnd/>
+          </a:ln>
+          <a:effectLst/>
+        </p:spPr>
+        <p:txBody>
+          <a:bodyPr wrap="square" lIns="65306" tIns="32653" rIns="65306" bIns="32653">
+            <a:spAutoFit/>
+          </a:bodyPr>
+          <a:lstStyle/>
+          <a:p>
+            <a:pPr defTabSz="3134937">
+              <a:spcBef>
+                <a:spcPct val="50000"/>
+              </a:spcBef>
+            </a:pPr>
+            <a:r>
+              <a:rPr lang="en-US" sz="4600" b="1" dirty="0" smtClean="0"/>
+              <a:t>Example Rotation Curves</a:t>
+            </a:r>
           </a:p>
         </p:txBody>
       </p:sp>

--- a/tex/final poster/Moss Clement McGee Miller Project Poster.pptx
+++ b/tex/final poster/Moss Clement McGee Miller Project Poster.pptx
@@ -139,7 +139,7 @@
   </p:defaultTextStyle>
   <p:extLst>
     <p:ext uri="{EFAFB233-063F-42B5-8137-9DF3F51BA10A}">
-      <p15:sldGuideLst xmlns:p15="http://schemas.microsoft.com/office/powerpoint/2012/main" xmlns="">
+      <p15:sldGuideLst xmlns:p15="http://schemas.microsoft.com/office/powerpoint/2012/main">
         <p15:guide id="1" orient="horz" pos="3224">
           <p15:clr>
             <a:srgbClr val="A4A3A4"/>
@@ -1472,162 +1472,264 @@
                 <a:latin typeface="Times New Roman" panose="02020603050405020304" pitchFamily="18" charset="0"/>
                 <a:cs typeface="Times New Roman" panose="02020603050405020304" pitchFamily="18" charset="0"/>
               </a:rPr>
-              <a:t>       Astrophysicists need </a:t>
+              <a:t>      </a:t>
+            </a:r>
+            <a:r>
+              <a:rPr lang="en-US" sz="2000" dirty="0" smtClean="0">
+                <a:latin typeface="Times New Roman" panose="02020603050405020304" pitchFamily="18" charset="0"/>
+                <a:cs typeface="Times New Roman" panose="02020603050405020304" pitchFamily="18" charset="0"/>
+              </a:rPr>
+              <a:t> In order to model </a:t>
             </a:r>
             <a:r>
               <a:rPr lang="en-US" sz="2000" dirty="0">
                 <a:latin typeface="Times New Roman" panose="02020603050405020304" pitchFamily="18" charset="0"/>
                 <a:cs typeface="Times New Roman" panose="02020603050405020304" pitchFamily="18" charset="0"/>
               </a:rPr>
-              <a:t>to model galaxies in programs like </a:t>
+              <a:t>galaxies, </a:t>
             </a:r>
             <a:r>
               <a:rPr lang="en-US" sz="2000" dirty="0" smtClean="0">
                 <a:latin typeface="Times New Roman" panose="02020603050405020304" pitchFamily="18" charset="0"/>
                 <a:cs typeface="Times New Roman" panose="02020603050405020304" pitchFamily="18" charset="0"/>
               </a:rPr>
-              <a:t>MATLAB </a:t>
+              <a:t>researchers must first sift </a:t>
             </a:r>
             <a:r>
               <a:rPr lang="en-US" sz="2000" dirty="0">
                 <a:latin typeface="Times New Roman" panose="02020603050405020304" pitchFamily="18" charset="0"/>
                 <a:cs typeface="Times New Roman" panose="02020603050405020304" pitchFamily="18" charset="0"/>
               </a:rPr>
-              <a:t>or Mathematica, but there </a:t>
+              <a:t>through peer-reviewed articles and gather galactic data </a:t>
             </a:r>
             <a:r>
               <a:rPr lang="en-US" sz="2000" dirty="0" smtClean="0">
                 <a:latin typeface="Times New Roman" panose="02020603050405020304" pitchFamily="18" charset="0"/>
                 <a:cs typeface="Times New Roman" panose="02020603050405020304" pitchFamily="18" charset="0"/>
               </a:rPr>
-              <a:t>doesn't exist </a:t>
+              <a:t>one-by-one. Then  </a:t>
             </a:r>
             <a:r>
               <a:rPr lang="en-US" sz="2000" dirty="0">
                 <a:latin typeface="Times New Roman" panose="02020603050405020304" pitchFamily="18" charset="0"/>
                 <a:cs typeface="Times New Roman" panose="02020603050405020304" pitchFamily="18" charset="0"/>
               </a:rPr>
-              <a:t>a singular tool to </a:t>
+              <a:t>a</a:t>
             </a:r>
             <a:r>
               <a:rPr lang="en-US" sz="2000" dirty="0" smtClean="0">
                 <a:latin typeface="Times New Roman" panose="02020603050405020304" pitchFamily="18" charset="0"/>
                 <a:cs typeface="Times New Roman" panose="02020603050405020304" pitchFamily="18" charset="0"/>
               </a:rPr>
-              <a:t>expedite </a:t>
+              <a:t>strophysicists would model the galaxies </a:t>
             </a:r>
             <a:r>
               <a:rPr lang="en-US" sz="2000" dirty="0">
                 <a:latin typeface="Times New Roman" panose="02020603050405020304" pitchFamily="18" charset="0"/>
                 <a:cs typeface="Times New Roman" panose="02020603050405020304" pitchFamily="18" charset="0"/>
               </a:rPr>
-              <a:t>this process in a universal format. </a:t>
+              <a:t>in programs like </a:t>
             </a:r>
             <a:r>
               <a:rPr lang="en-US" sz="2000" dirty="0" smtClean="0">
                 <a:latin typeface="Times New Roman" panose="02020603050405020304" pitchFamily="18" charset="0"/>
                 <a:cs typeface="Times New Roman" panose="02020603050405020304" pitchFamily="18" charset="0"/>
               </a:rPr>
-              <a:t>Additionally, </a:t>
+              <a:t>MATLAB </a:t>
             </a:r>
             <a:r>
               <a:rPr lang="en-US" sz="2000" dirty="0">
                 <a:latin typeface="Times New Roman" panose="02020603050405020304" pitchFamily="18" charset="0"/>
                 <a:cs typeface="Times New Roman" panose="02020603050405020304" pitchFamily="18" charset="0"/>
               </a:rPr>
-              <a:t>scholars </a:t>
+              <a:t>or Mathematica, but there </a:t>
             </a:r>
             <a:r>
               <a:rPr lang="en-US" sz="2000" dirty="0" smtClean="0">
                 <a:latin typeface="Times New Roman" panose="02020603050405020304" pitchFamily="18" charset="0"/>
                 <a:cs typeface="Times New Roman" panose="02020603050405020304" pitchFamily="18" charset="0"/>
               </a:rPr>
-              <a:t>must sift through peer-reviewed </a:t>
+              <a:t>doesn't exist </a:t>
             </a:r>
             <a:r>
               <a:rPr lang="en-US" sz="2000" dirty="0">
                 <a:latin typeface="Times New Roman" panose="02020603050405020304" pitchFamily="18" charset="0"/>
                 <a:cs typeface="Times New Roman" panose="02020603050405020304" pitchFamily="18" charset="0"/>
               </a:rPr>
-              <a:t>articles and </a:t>
+              <a:t>a singular tool to </a:t>
             </a:r>
             <a:r>
               <a:rPr lang="en-US" sz="2000" dirty="0" smtClean="0">
                 <a:latin typeface="Times New Roman" panose="02020603050405020304" pitchFamily="18" charset="0"/>
                 <a:cs typeface="Times New Roman" panose="02020603050405020304" pitchFamily="18" charset="0"/>
               </a:rPr>
-              <a:t>gather galactic </a:t>
+              <a:t>expedite </a:t>
             </a:r>
             <a:r>
               <a:rPr lang="en-US" sz="2000" dirty="0">
                 <a:latin typeface="Times New Roman" panose="02020603050405020304" pitchFamily="18" charset="0"/>
                 <a:cs typeface="Times New Roman" panose="02020603050405020304" pitchFamily="18" charset="0"/>
               </a:rPr>
-              <a:t>data one-by-one. </a:t>
+              <a:t>this process in a universal </a:t>
             </a:r>
             <a:r>
               <a:rPr lang="en-US" sz="2000" dirty="0" smtClean="0">
                 <a:latin typeface="Times New Roman" panose="02020603050405020304" pitchFamily="18" charset="0"/>
                 <a:cs typeface="Times New Roman" panose="02020603050405020304" pitchFamily="18" charset="0"/>
               </a:rPr>
-              <a:t>This astronomical project intends to solve both of these problems by providing a space to generalize </a:t>
+              <a:t>format. This project </a:t>
+            </a:r>
+            <a:r>
+              <a:rPr lang="en-US" sz="2000" dirty="0" smtClean="0">
+                <a:latin typeface="Times New Roman" panose="02020603050405020304" pitchFamily="18" charset="0"/>
+                <a:cs typeface="Times New Roman" panose="02020603050405020304" pitchFamily="18" charset="0"/>
+              </a:rPr>
+              <a:t>intends to solve both of these </a:t>
+            </a:r>
+            <a:r>
+              <a:rPr lang="en-US" sz="2000" dirty="0" smtClean="0">
+                <a:latin typeface="Times New Roman" panose="02020603050405020304" pitchFamily="18" charset="0"/>
+                <a:cs typeface="Times New Roman" panose="02020603050405020304" pitchFamily="18" charset="0"/>
+              </a:rPr>
+              <a:t>problems. First</a:t>
             </a:r>
             <a:r>
               <a:rPr lang="en-US" sz="2000" dirty="0">
                 <a:latin typeface="Times New Roman" panose="02020603050405020304" pitchFamily="18" charset="0"/>
                 <a:cs typeface="Times New Roman" panose="02020603050405020304" pitchFamily="18" charset="0"/>
               </a:rPr>
-              <a:t>the work </a:t>
+              <a:t>, </a:t>
             </a:r>
             <a:r>
               <a:rPr lang="en-US" sz="2000" dirty="0" smtClean="0">
                 <a:latin typeface="Times New Roman" panose="02020603050405020304" pitchFamily="18" charset="0"/>
                 <a:cs typeface="Times New Roman" panose="02020603050405020304" pitchFamily="18" charset="0"/>
               </a:rPr>
-              <a:t>being done </a:t>
+              <a:t>building </a:t>
             </a:r>
             <a:r>
               <a:rPr lang="en-US" sz="2000" dirty="0">
                 <a:latin typeface="Times New Roman" panose="02020603050405020304" pitchFamily="18" charset="0"/>
                 <a:cs typeface="Times New Roman" panose="02020603050405020304" pitchFamily="18" charset="0"/>
               </a:rPr>
-              <a:t>on galaxy research and provide one central repository </a:t>
+              <a:t>a </a:t>
             </a:r>
             <a:r>
               <a:rPr lang="en-US" sz="2000" dirty="0" smtClean="0">
                 <a:latin typeface="Times New Roman" panose="02020603050405020304" pitchFamily="18" charset="0"/>
                 <a:cs typeface="Times New Roman" panose="02020603050405020304" pitchFamily="18" charset="0"/>
               </a:rPr>
-              <a:t>of galactic parameters and observed velocity data for </a:t>
+              <a:t>public database to act as a </a:t>
             </a:r>
             <a:r>
               <a:rPr lang="en-US" sz="2000" dirty="0">
                 <a:latin typeface="Times New Roman" panose="02020603050405020304" pitchFamily="18" charset="0"/>
                 <a:cs typeface="Times New Roman" panose="02020603050405020304" pitchFamily="18" charset="0"/>
               </a:rPr>
-              <a:t>researchers</a:t>
+              <a:t>central repository </a:t>
             </a:r>
             <a:r>
               <a:rPr lang="en-US" sz="2000" dirty="0" smtClean="0">
                 <a:latin typeface="Times New Roman" panose="02020603050405020304" pitchFamily="18" charset="0"/>
                 <a:cs typeface="Times New Roman" panose="02020603050405020304" pitchFamily="18" charset="0"/>
               </a:rPr>
-              <a:t>. The website </a:t>
-            </a:r>
-            <a:r>
-              <a:rPr lang="en-US" sz="2000" dirty="0" smtClean="0">
+              <a:t>for </a:t>
+            </a:r>
+            <a:r>
+              <a:rPr lang="en-US" sz="2000" dirty="0">
                 <a:latin typeface="Times New Roman" panose="02020603050405020304" pitchFamily="18" charset="0"/>
                 <a:cs typeface="Times New Roman" panose="02020603050405020304" pitchFamily="18" charset="0"/>
               </a:rPr>
-              <a:t>consists </a:t>
+              <a:t>galactic parameters and observed velocity </a:t>
             </a:r>
             <a:r>
               <a:rPr lang="en-US" sz="2000" dirty="0" smtClean="0">
                 <a:latin typeface="Times New Roman" panose="02020603050405020304" pitchFamily="18" charset="0"/>
                 <a:cs typeface="Times New Roman" panose="02020603050405020304" pitchFamily="18" charset="0"/>
               </a:rPr>
-              <a:t>of two major components: a galactic database (SOCM) and a galaxy modeler (RoCM).</a:t>
-            </a:r>
+              <a:t>data. Second, providing </a:t>
+            </a:r>
+            <a:r>
+              <a:rPr lang="en-US" sz="2000" dirty="0" smtClean="0">
+                <a:latin typeface="Times New Roman" panose="02020603050405020304" pitchFamily="18" charset="0"/>
+                <a:cs typeface="Times New Roman" panose="02020603050405020304" pitchFamily="18" charset="0"/>
+              </a:rPr>
+              <a:t>a tool to </a:t>
+            </a:r>
+            <a:r>
+              <a:rPr lang="en-US" sz="2000" dirty="0" smtClean="0">
+                <a:latin typeface="Times New Roman" panose="02020603050405020304" pitchFamily="18" charset="0"/>
+                <a:cs typeface="Times New Roman" panose="02020603050405020304" pitchFamily="18" charset="0"/>
+              </a:rPr>
+              <a:t>generalize </a:t>
+            </a:r>
+            <a:r>
+              <a:rPr lang="en-US" sz="2000" dirty="0">
+                <a:latin typeface="Times New Roman" panose="02020603050405020304" pitchFamily="18" charset="0"/>
+                <a:cs typeface="Times New Roman" panose="02020603050405020304" pitchFamily="18" charset="0"/>
+              </a:rPr>
+              <a:t>the work </a:t>
+            </a:r>
+            <a:r>
+              <a:rPr lang="en-US" sz="2000" dirty="0" smtClean="0">
+                <a:latin typeface="Times New Roman" panose="02020603050405020304" pitchFamily="18" charset="0"/>
+                <a:cs typeface="Times New Roman" panose="02020603050405020304" pitchFamily="18" charset="0"/>
+              </a:rPr>
+              <a:t>being done </a:t>
+            </a:r>
+            <a:r>
+              <a:rPr lang="en-US" sz="2000" dirty="0">
+                <a:latin typeface="Times New Roman" panose="02020603050405020304" pitchFamily="18" charset="0"/>
+                <a:cs typeface="Times New Roman" panose="02020603050405020304" pitchFamily="18" charset="0"/>
+              </a:rPr>
+              <a:t>on </a:t>
+            </a:r>
+            <a:r>
+              <a:rPr lang="en-US" sz="2000" dirty="0" smtClean="0">
+                <a:latin typeface="Times New Roman" panose="02020603050405020304" pitchFamily="18" charset="0"/>
+                <a:cs typeface="Times New Roman" panose="02020603050405020304" pitchFamily="18" charset="0"/>
+              </a:rPr>
+              <a:t>galactic modeling. </a:t>
+            </a:r>
+            <a:r>
+              <a:rPr lang="en-US" sz="2000" dirty="0" smtClean="0">
+                <a:latin typeface="Times New Roman" panose="02020603050405020304" pitchFamily="18" charset="0"/>
+                <a:cs typeface="Times New Roman" panose="02020603050405020304" pitchFamily="18" charset="0"/>
+              </a:rPr>
+              <a:t>The website consists of </a:t>
+            </a:r>
+            <a:r>
+              <a:rPr lang="en-US" sz="2000" dirty="0" smtClean="0">
+                <a:latin typeface="Times New Roman" panose="02020603050405020304" pitchFamily="18" charset="0"/>
+                <a:cs typeface="Times New Roman" panose="02020603050405020304" pitchFamily="18" charset="0"/>
+              </a:rPr>
+              <a:t>these two </a:t>
+            </a:r>
+            <a:r>
+              <a:rPr lang="en-US" sz="2000" dirty="0" smtClean="0">
+                <a:latin typeface="Times New Roman" panose="02020603050405020304" pitchFamily="18" charset="0"/>
+                <a:cs typeface="Times New Roman" panose="02020603050405020304" pitchFamily="18" charset="0"/>
+              </a:rPr>
+              <a:t>major </a:t>
+            </a:r>
+            <a:r>
+              <a:rPr lang="en-US" sz="2000" dirty="0" smtClean="0">
+                <a:latin typeface="Times New Roman" panose="02020603050405020304" pitchFamily="18" charset="0"/>
+                <a:cs typeface="Times New Roman" panose="02020603050405020304" pitchFamily="18" charset="0"/>
+              </a:rPr>
+              <a:t>components</a:t>
+            </a:r>
+            <a:r>
+              <a:rPr lang="en-US" sz="2000" dirty="0">
+                <a:latin typeface="Times New Roman" panose="02020603050405020304" pitchFamily="18" charset="0"/>
+                <a:cs typeface="Times New Roman" panose="02020603050405020304" pitchFamily="18" charset="0"/>
+              </a:rPr>
+              <a:t>.</a:t>
+            </a:r>
+            <a:endParaRPr lang="en-US" sz="2000" dirty="0" smtClean="0">
+              <a:latin typeface="Times New Roman" panose="02020603050405020304" pitchFamily="18" charset="0"/>
+              <a:cs typeface="Times New Roman" panose="02020603050405020304" pitchFamily="18" charset="0"/>
+            </a:endParaRPr>
           </a:p>
           <a:p>
             <a:pPr algn="l"/>
@@ -1636,8 +1738,19 @@
                 <a:latin typeface="Times New Roman" panose="02020603050405020304" pitchFamily="18" charset="0"/>
                 <a:cs typeface="Times New Roman" panose="02020603050405020304" pitchFamily="18" charset="0"/>
               </a:rPr>
-              <a:t>      Scholarly Observed Celestial Measurements (SOCM) serves as both a central database and API (Application Programming Interface) for researchers and programmers alike. SOCM includes galactic data collected on 112 galaxies, including the peer-reviewed measurements of stars contained therein. Users may submit new measurements to the SOCM administrator for approval. Programmers may pull from the SOCM API for any application they so desire.</a:t>
-            </a:r>
+              <a:t>      Scholarly Observed Celestial Measurements (SOCM) serves as both a central database and API (Application Programming Interface) for researchers and programmers alike. SOCM includes galactic data collected on 112 galaxies, including the peer-reviewed measurements of stars contained therein. Users may submit new measurements to the SOCM administrator for approval. Programmers may pull from the SOCM API </a:t>
+            </a:r>
+            <a:r>
+              <a:rPr lang="en-US" sz="2000" dirty="0" smtClean="0">
+                <a:latin typeface="Times New Roman" panose="02020603050405020304" pitchFamily="18" charset="0"/>
+                <a:cs typeface="Times New Roman" panose="02020603050405020304" pitchFamily="18" charset="0"/>
+              </a:rPr>
+              <a:t>to use the data for other applications.</a:t>
+            </a:r>
+            <a:endParaRPr lang="en-US" sz="2000" dirty="0" smtClean="0">
+              <a:latin typeface="Times New Roman" panose="02020603050405020304" pitchFamily="18" charset="0"/>
+              <a:cs typeface="Times New Roman" panose="02020603050405020304" pitchFamily="18" charset="0"/>
+            </a:endParaRPr>
           </a:p>
           <a:p>
             <a:pPr algn="l"/>
@@ -1646,21 +1759,21 @@
                 <a:latin typeface="Times New Roman" panose="02020603050405020304" pitchFamily="18" charset="0"/>
                 <a:cs typeface="Times New Roman" panose="02020603050405020304" pitchFamily="18" charset="0"/>
               </a:rPr>
-              <a:t>      The Rotation Curve Modeler (RoCM) serves as a tool to model the rotation of star clusters around the center of a galaxy. It’s purpose is to test all existing galactic models against the observational data for that specified galaxy. With observable data as the input (via SOCM), any arbitrary galaxy can be imported into the tool. The tool </a:t>
+              <a:t>      The Rotation Curve Modeler (RoCM) serves as a tool to model the rotation of star clusters around the center of a galaxy. It’s purpose is to test all existing galactic models against the observational data for </a:t>
             </a:r>
             <a:r>
               <a:rPr lang="en-US" sz="2000" dirty="0" smtClean="0">
                 <a:latin typeface="Times New Roman" panose="02020603050405020304" pitchFamily="18" charset="0"/>
                 <a:cs typeface="Times New Roman" panose="02020603050405020304" pitchFamily="18" charset="0"/>
               </a:rPr>
-              <a:t>plots </a:t>
+              <a:t>the </a:t>
             </a:r>
             <a:r>
               <a:rPr lang="en-US" sz="2000" dirty="0" smtClean="0">
                 <a:latin typeface="Times New Roman" panose="02020603050405020304" pitchFamily="18" charset="0"/>
                 <a:cs typeface="Times New Roman" panose="02020603050405020304" pitchFamily="18" charset="0"/>
               </a:rPr>
-              <a:t>observational data and multiple galactic models together as a graph, and enables users to import their own galactic models to test against existing theories. Parameter value sliders allow users to control free fitting parameters within their models with real-time visual feedback in the generated graph. Users may also generate a Rotation Curve Simulation (RoCS) to view their models against the data in two-dimensional rendering.</a:t>
+              <a:t>specified galaxy. With observable data as the input (via SOCM), any arbitrary galaxy can be imported into the tool. The tool plots observational data and multiple galactic models together as a graph, and enables users to import their own galactic models to test against existing theories. Parameter value sliders allow users to control free fitting parameters within their models with real-time visual feedback in the generated graph. Users may also generate a Rotation Curve Simulation (RoCS) to view their models against the data in two-dimensional rendering.</a:t>
             </a:r>
             <a:endParaRPr lang="en-US" sz="2000" dirty="0">
               <a:latin typeface="Times New Roman" panose="02020603050405020304" pitchFamily="18" charset="0"/>
@@ -2082,31 +2195,7 @@
               <a:rPr lang="en-US" sz="2000" dirty="0" smtClean="0">
                 <a:latin typeface="Times New Roman" pitchFamily="18" charset="0"/>
               </a:rPr>
-              <a:t>	SOCM </a:t>
-            </a:r>
-            <a:r>
-              <a:rPr lang="en-US" sz="2000" dirty="0" smtClean="0">
-                <a:latin typeface="Times New Roman" pitchFamily="18" charset="0"/>
-              </a:rPr>
-              <a:t>is </a:t>
-            </a:r>
-            <a:r>
-              <a:rPr lang="en-US" sz="2000" dirty="0" smtClean="0">
-                <a:latin typeface="Times New Roman" pitchFamily="18" charset="0"/>
-              </a:rPr>
-              <a:t>a Ruby on Rails application with a PostgreSQL relational database </a:t>
-            </a:r>
-            <a:r>
-              <a:rPr lang="en-US" sz="2000" dirty="0" smtClean="0">
-                <a:latin typeface="Times New Roman" pitchFamily="18" charset="0"/>
-              </a:rPr>
-              <a:t>utilizing Twitter </a:t>
-            </a:r>
-            <a:r>
-              <a:rPr lang="en-US" sz="2000" dirty="0" smtClean="0">
-                <a:latin typeface="Times New Roman" pitchFamily="18" charset="0"/>
-              </a:rPr>
-              <a:t>bootstrap for webpage views. The website consists of a landing page, pages for the galaxies, citations, and developer information, as well as pages for administrative functions.</a:t>
+              <a:t>	SOCM is a Ruby on Rails application with a PostgreSQL relational database utilizing Twitter bootstrap for webpage views. The website consists of a landing page, pages for the galaxies, citations, and developer information, as well as pages for administrative functions.</a:t>
             </a:r>
           </a:p>
           <a:p>
@@ -2125,7 +2214,19 @@
               <a:rPr lang="en-US" sz="2000" dirty="0" smtClean="0">
                 <a:latin typeface="Times New Roman" pitchFamily="18" charset="0"/>
               </a:rPr>
-              <a:t>The galaxies page consists of a paginated table containing the relevant higher-level information of galaxies, including their relative distance from our sun, luminosity, scale radius, mass of the disk, and more. Selecting one of these tables allows users to view the collected velocity measurements of stars for this galaxy, including respective distances from the center of the galaxy, the observed rotation velocity, and the calculated errors of these measurements. The citations page lists the papers from which these measurements are referenced.</a:t>
+              <a:t>The galaxies page consists of a paginated table containing the relevant higher-level information of galaxies, including their relative distance from our sun, luminosity, scale radius, mass of </a:t>
+            </a:r>
+            <a:r>
+              <a:rPr lang="en-US" sz="2000" dirty="0" smtClean="0">
+                <a:latin typeface="Times New Roman" pitchFamily="18" charset="0"/>
+              </a:rPr>
+              <a:t>the disk</a:t>
+            </a:r>
+            <a:r>
+              <a:rPr lang="en-US" sz="2000" dirty="0" smtClean="0">
+                <a:latin typeface="Times New Roman" pitchFamily="18" charset="0"/>
+              </a:rPr>
+              <a:t>, and more. Selecting one of these tables allows users to view the collected velocity measurements of stars for this galaxy, including respective distances from the center of the galaxy, the observed rotation velocity, and the calculated errors of these measurements. The citations page lists the papers from which these measurements are referenced.</a:t>
             </a:r>
           </a:p>
           <a:p>
@@ -2270,8 +2371,8 @@
         </p:nvSpPr>
         <p:spPr bwMode="auto">
           <a:xfrm>
-            <a:off x="24857459" y="16162880"/>
-            <a:ext cx="7320781" cy="4429929"/>
+            <a:off x="24752107" y="16194264"/>
+            <a:ext cx="7613265" cy="4137541"/>
           </a:xfrm>
           <a:prstGeom prst="rect">
             <a:avLst/>
@@ -2303,16 +2404,46 @@
               <a:t>	</a:t>
             </a:r>
             <a:r>
-              <a:rPr lang="en-US" sz="2000" dirty="0">
-                <a:latin typeface="Times New Roman" pitchFamily="18" charset="0"/>
-              </a:rPr>
-              <a:t>T</a:t>
-            </a:r>
-            <a:r>
-              <a:rPr lang="en-US" sz="2000" dirty="0" smtClean="0">
-                <a:latin typeface="Times New Roman" pitchFamily="18" charset="0"/>
-              </a:rPr>
-              <a:t>his project was a success thanks to the mind of Dr. James G. O’Brien. His work on the rotation curve problem and conformal gravity helped influence the outcome of the project. The hope is astronomers will upload observed galaxy data to SOCM and astrophysicists will use RoCM to testing existing and future galactic models to finally understand the dynamics of these giant collection of stars.</a:t>
+              <a:rPr lang="en-US" sz="2000" dirty="0" smtClean="0">
+                <a:latin typeface="Times New Roman" pitchFamily="18" charset="0"/>
+              </a:rPr>
+              <a:t>The hope is that </a:t>
+            </a:r>
+            <a:r>
+              <a:rPr lang="en-US" sz="2000" dirty="0" smtClean="0">
+                <a:latin typeface="Times New Roman" pitchFamily="18" charset="0"/>
+              </a:rPr>
+              <a:t>astronomers will </a:t>
+            </a:r>
+            <a:r>
+              <a:rPr lang="en-US" sz="2000" dirty="0" smtClean="0">
+                <a:latin typeface="Times New Roman" pitchFamily="18" charset="0"/>
+              </a:rPr>
+              <a:t>use SOCM to upload observational data in one central location. Astrophysicists then can use </a:t>
+            </a:r>
+            <a:r>
+              <a:rPr lang="en-US" sz="2000" dirty="0" smtClean="0">
+                <a:latin typeface="Times New Roman" pitchFamily="18" charset="0"/>
+              </a:rPr>
+              <a:t>RoCM to </a:t>
+            </a:r>
+            <a:r>
+              <a:rPr lang="en-US" sz="2000" dirty="0" smtClean="0">
+                <a:latin typeface="Times New Roman" pitchFamily="18" charset="0"/>
+              </a:rPr>
+              <a:t>test that data against several galactic models to </a:t>
+            </a:r>
+            <a:r>
+              <a:rPr lang="en-US" sz="2000" dirty="0" smtClean="0">
+                <a:latin typeface="Times New Roman" pitchFamily="18" charset="0"/>
+              </a:rPr>
+              <a:t>finally understand the dynamics of </a:t>
+            </a:r>
+            <a:r>
+              <a:rPr lang="en-US" sz="2000" dirty="0" smtClean="0">
+                <a:latin typeface="Times New Roman" pitchFamily="18" charset="0"/>
+              </a:rPr>
+              <a:t>galaxies.</a:t>
             </a:r>
           </a:p>
           <a:p>
@@ -2322,46 +2453,86 @@
               </a:lnSpc>
             </a:pPr>
             <a:r>
+              <a:rPr lang="en-US" sz="2000" dirty="0" smtClean="0">
+                <a:latin typeface="Times New Roman" pitchFamily="18" charset="0"/>
+              </a:rPr>
+              <a:t>	We would like to thank Dr</a:t>
+            </a:r>
+            <a:r>
               <a:rPr lang="en-US" sz="2000" dirty="0">
                 <a:latin typeface="Times New Roman" pitchFamily="18" charset="0"/>
               </a:rPr>
+              <a:t>. James G. </a:t>
+            </a:r>
+            <a:r>
+              <a:rPr lang="en-US" sz="2000" dirty="0" smtClean="0">
+                <a:latin typeface="Times New Roman" pitchFamily="18" charset="0"/>
+              </a:rPr>
+              <a:t>O’Brien for his </a:t>
+            </a:r>
+            <a:r>
+              <a:rPr lang="en-US" sz="2000" dirty="0">
+                <a:latin typeface="Times New Roman" pitchFamily="18" charset="0"/>
+              </a:rPr>
+              <a:t>work on </a:t>
+            </a:r>
+            <a:r>
+              <a:rPr lang="en-US" sz="2000" dirty="0" smtClean="0">
+                <a:latin typeface="Times New Roman" pitchFamily="18" charset="0"/>
+              </a:rPr>
+              <a:t>the rotation curve problem using conformal gravity. His work </a:t>
+            </a:r>
+            <a:r>
+              <a:rPr lang="en-US" sz="2000" dirty="0">
+                <a:latin typeface="Times New Roman" pitchFamily="18" charset="0"/>
+              </a:rPr>
+              <a:t>influence the </a:t>
+            </a:r>
+            <a:r>
+              <a:rPr lang="en-US" sz="2000" dirty="0" smtClean="0">
+                <a:latin typeface="Times New Roman" pitchFamily="18" charset="0"/>
+              </a:rPr>
+              <a:t>successful outcome </a:t>
+            </a:r>
+            <a:r>
+              <a:rPr lang="en-US" sz="2000" dirty="0">
+                <a:latin typeface="Times New Roman" pitchFamily="18" charset="0"/>
+              </a:rPr>
+              <a:t>of </a:t>
+            </a:r>
+            <a:r>
+              <a:rPr lang="en-US" sz="2000" dirty="0" smtClean="0">
+                <a:latin typeface="Times New Roman" pitchFamily="18" charset="0"/>
+              </a:rPr>
+              <a:t>this </a:t>
+            </a:r>
+            <a:r>
+              <a:rPr lang="en-US" sz="2000" dirty="0">
+                <a:latin typeface="Times New Roman" pitchFamily="18" charset="0"/>
+              </a:rPr>
+              <a:t>project.</a:t>
+            </a:r>
+            <a:endParaRPr lang="en-US" sz="2000" dirty="0" smtClean="0">
+              <a:latin typeface="Times New Roman" pitchFamily="18" charset="0"/>
+            </a:endParaRPr>
+          </a:p>
+          <a:p>
+            <a:pPr algn="l" defTabSz="437644" eaLnBrk="0" hangingPunct="0">
+              <a:lnSpc>
+                <a:spcPct val="95000"/>
+              </a:lnSpc>
+            </a:pPr>
+            <a:r>
+              <a:rPr lang="en-US" sz="2000" dirty="0">
+                <a:latin typeface="Times New Roman" pitchFamily="18" charset="0"/>
+              </a:rPr>
               <a:t>	</a:t>
             </a:r>
             <a:r>
               <a:rPr lang="en-US" sz="2000" dirty="0" smtClean="0">
                 <a:latin typeface="Times New Roman" pitchFamily="18" charset="0"/>
               </a:rPr>
-              <a:t> We are pleased to announce that SOCM is open to the public at </a:t>
-            </a:r>
-            <a:r>
-              <a:rPr lang="en-US" sz="2000" dirty="0" smtClean="0">
-                <a:latin typeface="Times New Roman" pitchFamily="18" charset="0"/>
-              </a:rPr>
-              <a:t>socm.herokuapp.com</a:t>
-            </a:r>
-            <a:r>
-              <a:rPr lang="en-US" sz="2000" dirty="0" smtClean="0">
-                <a:latin typeface="Times New Roman" pitchFamily="18" charset="0"/>
-              </a:rPr>
-              <a:t>, where users can now view our database of collected measurements and developers may use our API endpoints to use in their own endeavors. RoCM is hosted </a:t>
-            </a:r>
-            <a:r>
-              <a:rPr lang="en-US" sz="2000" smtClean="0">
-                <a:latin typeface="Times New Roman" pitchFamily="18" charset="0"/>
-              </a:rPr>
-              <a:t>at </a:t>
-            </a:r>
-            <a:r>
-              <a:rPr lang="en-US" sz="2000" smtClean="0">
-                <a:latin typeface="Times New Roman" pitchFamily="18" charset="0"/>
-              </a:rPr>
-              <a:t>rotationcurve.herokuapp.com </a:t>
-            </a:r>
-            <a:r>
-              <a:rPr lang="en-US" sz="2000" dirty="0" smtClean="0">
-                <a:latin typeface="Times New Roman" pitchFamily="18" charset="0"/>
-              </a:rPr>
-              <a:t>and will be shortly moved to rotationcurve.wit.edu / rotationcurve.org. Each project is a contribution to the open source community and can </a:t>
+              <a:t> We are pleased to announce that SOCM is open to the public at socm.herokuapp.com, where users can now view our database of collected measurements and developers may use our API endpoints to use in their own endeavors. RoCM is hosted at rotationcurve.herokuapp.com and will be shortly moved to rotationcurve.wit.edu / rotationcurve.org. Each project is a contribution to the open source community and can </a:t>
             </a:r>
             <a:r>
               <a:rPr lang="en-US" sz="2000" dirty="0">
@@ -2496,14 +2667,84 @@
                 <a:latin typeface="Times New Roman" pitchFamily="18" charset="0"/>
                 <a:cs typeface="Times New Roman" pitchFamily="18" charset="0"/>
               </a:rPr>
-              <a:t>       </a:t>
+              <a:t>       RoCM is also a Ruby on Rails application utilizing various JavaScript libraries </a:t>
+            </a:r>
+            <a:r>
+              <a:rPr lang="en-US" sz="2000" dirty="0" smtClean="0">
+                <a:latin typeface="Times New Roman" pitchFamily="18" charset="0"/>
+                <a:cs typeface="Times New Roman" pitchFamily="18" charset="0"/>
+              </a:rPr>
+              <a:t>and uses </a:t>
+            </a:r>
+            <a:r>
+              <a:rPr lang="en-US" sz="2000" dirty="0" smtClean="0">
+                <a:latin typeface="Times New Roman" pitchFamily="18" charset="0"/>
+                <a:cs typeface="Times New Roman" pitchFamily="18" charset="0"/>
+              </a:rPr>
+              <a:t>SOCM as its service layer. The single-page website consists of the following: quick-reference table of SOCM (to select galaxies to plot), a table of sliders to manipulate values </a:t>
+            </a:r>
+            <a:r>
+              <a:rPr lang="en-US" sz="2000" dirty="0" smtClean="0">
+                <a:latin typeface="Times New Roman" pitchFamily="18" charset="0"/>
+                <a:cs typeface="Times New Roman" pitchFamily="18" charset="0"/>
+              </a:rPr>
+              <a:t>within galactic models </a:t>
+            </a:r>
+            <a:r>
+              <a:rPr lang="en-US" sz="2000" dirty="0" smtClean="0">
+                <a:latin typeface="Times New Roman" pitchFamily="18" charset="0"/>
+                <a:cs typeface="Times New Roman" pitchFamily="18" charset="0"/>
+              </a:rPr>
+              <a:t>(for parameter fitting purposes), a rotation </a:t>
+            </a:r>
+            <a:r>
+              <a:rPr lang="en-US" sz="2000" dirty="0">
+                <a:latin typeface="Times New Roman" pitchFamily="18" charset="0"/>
+                <a:cs typeface="Times New Roman" pitchFamily="18" charset="0"/>
+              </a:rPr>
+              <a:t>v</a:t>
+            </a:r>
+            <a:r>
+              <a:rPr lang="en-US" sz="2000" dirty="0" smtClean="0">
+                <a:latin typeface="Times New Roman" pitchFamily="18" charset="0"/>
+                <a:cs typeface="Times New Roman" pitchFamily="18" charset="0"/>
+              </a:rPr>
+              <a:t>elocity over galactocentric distance graph to plot models against collected data, a button to save the graph as an SVG (Scalable Vector Graphic), a button to send the selected model to RoCS, a </a:t>
+            </a:r>
+            <a:r>
+              <a:rPr lang="en-US" sz="2000" dirty="0" smtClean="0">
+                <a:latin typeface="Times New Roman" pitchFamily="18" charset="0"/>
+                <a:cs typeface="Times New Roman" pitchFamily="18" charset="0"/>
+              </a:rPr>
+              <a:t>means of import a </a:t>
+            </a:r>
+            <a:r>
+              <a:rPr lang="en-US" sz="2000" dirty="0" smtClean="0">
+                <a:latin typeface="Times New Roman" pitchFamily="18" charset="0"/>
+                <a:cs typeface="Times New Roman" pitchFamily="18" charset="0"/>
+              </a:rPr>
+              <a:t>user defined model to graph</a:t>
+            </a:r>
+            <a:r>
+              <a:rPr lang="en-US" sz="2000" dirty="0" smtClean="0">
+                <a:latin typeface="Times New Roman" pitchFamily="18" charset="0"/>
+                <a:cs typeface="Times New Roman" pitchFamily="18" charset="0"/>
+              </a:rPr>
+              <a:t>, </a:t>
+            </a:r>
+            <a:r>
+              <a:rPr lang="en-US" sz="2000" dirty="0" smtClean="0">
+                <a:latin typeface="Times New Roman" pitchFamily="18" charset="0"/>
+                <a:cs typeface="Times New Roman" pitchFamily="18" charset="0"/>
+              </a:rPr>
+              <a:t>and a section for users to import their models in </a:t>
             </a:r>
             <a:r>
               <a:rPr lang="en-US" sz="2000" dirty="0" err="1" smtClean="0">
                 <a:latin typeface="Times New Roman" pitchFamily="18" charset="0"/>
                 <a:cs typeface="Times New Roman" pitchFamily="18" charset="0"/>
               </a:rPr>
-              <a:t>RoCM</a:t>
+              <a:t>LaTeX</a:t>
             </a:r>
             <a:r>
               <a:rPr lang="en-US" sz="2000" dirty="0" smtClean="0">
@@ -2517,84 +2758,14 @@
                 <a:latin typeface="Times New Roman" pitchFamily="18" charset="0"/>
                 <a:cs typeface="Times New Roman" pitchFamily="18" charset="0"/>
               </a:rPr>
-              <a:t>is also </a:t>
+              <a:t>format (for better understanding the behavior of parameters within each equation). </a:t>
             </a:r>
             <a:r>
               <a:rPr lang="en-US" sz="2000" dirty="0" smtClean="0">
                 <a:latin typeface="Times New Roman" pitchFamily="18" charset="0"/>
                 <a:cs typeface="Times New Roman" pitchFamily="18" charset="0"/>
               </a:rPr>
-              <a:t>a Ruby on Rails </a:t>
-            </a:r>
-            <a:r>
-              <a:rPr lang="en-US" sz="2000" dirty="0" smtClean="0">
-                <a:latin typeface="Times New Roman" pitchFamily="18" charset="0"/>
-                <a:cs typeface="Times New Roman" pitchFamily="18" charset="0"/>
-              </a:rPr>
-              <a:t>application utilizing various </a:t>
-            </a:r>
-            <a:r>
-              <a:rPr lang="en-US" sz="2000" dirty="0" smtClean="0">
-                <a:latin typeface="Times New Roman" pitchFamily="18" charset="0"/>
-                <a:cs typeface="Times New Roman" pitchFamily="18" charset="0"/>
-              </a:rPr>
-              <a:t>JavaScript </a:t>
-            </a:r>
-            <a:r>
-              <a:rPr lang="en-US" sz="2000" dirty="0" smtClean="0">
-                <a:latin typeface="Times New Roman" pitchFamily="18" charset="0"/>
-                <a:cs typeface="Times New Roman" pitchFamily="18" charset="0"/>
-              </a:rPr>
-              <a:t>libraries </a:t>
-            </a:r>
-            <a:r>
-              <a:rPr lang="en-US" sz="2000" dirty="0" smtClean="0">
-                <a:latin typeface="Times New Roman" pitchFamily="18" charset="0"/>
-                <a:cs typeface="Times New Roman" pitchFamily="18" charset="0"/>
-              </a:rPr>
-              <a:t>and </a:t>
-            </a:r>
-            <a:r>
-              <a:rPr lang="en-US" sz="2000" dirty="0" smtClean="0">
-                <a:latin typeface="Times New Roman" pitchFamily="18" charset="0"/>
-                <a:cs typeface="Times New Roman" pitchFamily="18" charset="0"/>
-              </a:rPr>
-              <a:t> uses SOCM as its service layer. </a:t>
-            </a:r>
-            <a:r>
-              <a:rPr lang="en-US" sz="2000" dirty="0" smtClean="0">
-                <a:latin typeface="Times New Roman" pitchFamily="18" charset="0"/>
-                <a:cs typeface="Times New Roman" pitchFamily="18" charset="0"/>
-              </a:rPr>
-              <a:t>The single-page website consists of the following: quick-reference table of SOCM (to select galaxies to plot), a table of sliders to manipulate values calculated from galactic models (for parameter fitting purposes), a rotation </a:t>
-            </a:r>
-            <a:r>
-              <a:rPr lang="en-US" sz="2000" dirty="0">
-                <a:latin typeface="Times New Roman" pitchFamily="18" charset="0"/>
-                <a:cs typeface="Times New Roman" pitchFamily="18" charset="0"/>
-              </a:rPr>
-              <a:t>v</a:t>
-            </a:r>
-            <a:r>
-              <a:rPr lang="en-US" sz="2000" dirty="0" smtClean="0">
-                <a:latin typeface="Times New Roman" pitchFamily="18" charset="0"/>
-                <a:cs typeface="Times New Roman" pitchFamily="18" charset="0"/>
-              </a:rPr>
-              <a:t>elocity over galactocentric distance graph to plot models against collected data, a button to save the graph as an SVG (Scalable Vector Graphic), a button to send the selected model to RoCS, a section for users to import their own models to use on the graph, and a section for users to import their models in </a:t>
-            </a:r>
-            <a:r>
-              <a:rPr lang="en-US" sz="2000" dirty="0" err="1" smtClean="0">
-                <a:latin typeface="Times New Roman" pitchFamily="18" charset="0"/>
-                <a:cs typeface="Times New Roman" pitchFamily="18" charset="0"/>
-              </a:rPr>
-              <a:t>LaTeX</a:t>
-            </a:r>
-            <a:r>
-              <a:rPr lang="en-US" sz="2000" dirty="0" smtClean="0">
-                <a:latin typeface="Times New Roman" pitchFamily="18" charset="0"/>
-                <a:cs typeface="Times New Roman" pitchFamily="18" charset="0"/>
-              </a:rPr>
-              <a:t> format. These tools all contribute to the powerful functionality we’ve provided in RoCM.</a:t>
+              <a:t>These tools all contribute to the powerful functionality we’ve provided in RoCM.</a:t>
             </a:r>
           </a:p>
           <a:p>
@@ -3205,7 +3376,49 @@
                 <a:latin typeface="Times New Roman" pitchFamily="18" charset="0"/>
                 <a:cs typeface="Times New Roman" pitchFamily="18" charset="0"/>
               </a:rPr>
-              <a:t>        RoCS provides a way to visualize the spin of the galaxy in question. The user can simulate either just the observational data, or a specified model against the data. The color scale represent the relative minimum and maximum velocity for the stars around the center of the galaxy. The scale helps recognize when the rotation curve simulation of a model doesn’t match up with the observational data (see the RoCS webpage for the animation of the full rotation simulation).</a:t>
+              <a:t>        RoCS provides a way to visualize the spin of the galaxy in question. The user can simulate either just the observational data, or a specified model against the data. The color scale </a:t>
+            </a:r>
+            <a:r>
+              <a:rPr lang="en-US" sz="2000" dirty="0" smtClean="0">
+                <a:latin typeface="Times New Roman" pitchFamily="18" charset="0"/>
+                <a:cs typeface="Times New Roman" pitchFamily="18" charset="0"/>
+              </a:rPr>
+              <a:t>represents </a:t>
+            </a:r>
+            <a:r>
+              <a:rPr lang="en-US" sz="2000" dirty="0" smtClean="0">
+                <a:latin typeface="Times New Roman" pitchFamily="18" charset="0"/>
+                <a:cs typeface="Times New Roman" pitchFamily="18" charset="0"/>
+              </a:rPr>
+              <a:t>the relative minimum and maximum velocity for the stars around the center of the galaxy. The scale helps recognize when the rotation curve simulation of a model doesn’t match up with the observational data (see the RoCS webpage for </a:t>
+            </a:r>
+            <a:r>
+              <a:rPr lang="en-US" sz="2000" dirty="0" smtClean="0">
+                <a:latin typeface="Times New Roman" pitchFamily="18" charset="0"/>
+                <a:cs typeface="Times New Roman" pitchFamily="18" charset="0"/>
+              </a:rPr>
+              <a:t>the </a:t>
+            </a:r>
+            <a:r>
+              <a:rPr lang="en-US" sz="2000" dirty="0" smtClean="0">
+                <a:latin typeface="Times New Roman" pitchFamily="18" charset="0"/>
+                <a:cs typeface="Times New Roman" pitchFamily="18" charset="0"/>
+              </a:rPr>
+              <a:t>full </a:t>
+            </a:r>
+            <a:r>
+              <a:rPr lang="en-US" sz="2000" dirty="0" smtClean="0">
+                <a:latin typeface="Times New Roman" pitchFamily="18" charset="0"/>
+                <a:cs typeface="Times New Roman" pitchFamily="18" charset="0"/>
+              </a:rPr>
+              <a:t>rotation curve </a:t>
+            </a:r>
+            <a:r>
+              <a:rPr lang="en-US" sz="2000" dirty="0" smtClean="0">
+                <a:latin typeface="Times New Roman" pitchFamily="18" charset="0"/>
+                <a:cs typeface="Times New Roman" pitchFamily="18" charset="0"/>
+              </a:rPr>
+              <a:t>simulation).</a:t>
             </a:r>
             <a:endParaRPr lang="en-US" sz="2000" dirty="0">
               <a:latin typeface="Times New Roman" pitchFamily="18" charset="0"/>
